--- a/Team5-final-presentation.pptx
+++ b/Team5-final-presentation.pptx
@@ -210,7 +210,7 @@
           <a:p>
             <a:fld id="{5649A7D6-D0F4-F443-B898-2E87F539D91D}" type="datetimeFigureOut">
               <a:rPr lang="en-US" smtClean="0"/>
-              <a:t>4/28/17</a:t>
+              <a:t>04/29/2017</a:t>
             </a:fld>
             <a:endParaRPr lang="en-US"/>
           </a:p>
@@ -274,38 +274,37 @@
           <a:p>
             <a:pPr lvl="0"/>
             <a:r>
-              <a:rPr lang="en-US" smtClean="0"/>
+              <a:rPr lang="en-US"/>
               <a:t>Click to edit Master text styles</a:t>
             </a:r>
           </a:p>
           <a:p>
             <a:pPr lvl="1"/>
             <a:r>
-              <a:rPr lang="en-US" smtClean="0"/>
+              <a:rPr lang="en-US"/>
               <a:t>Second level</a:t>
             </a:r>
           </a:p>
           <a:p>
             <a:pPr lvl="2"/>
             <a:r>
-              <a:rPr lang="en-US" smtClean="0"/>
+              <a:rPr lang="en-US"/>
               <a:t>Third level</a:t>
             </a:r>
           </a:p>
           <a:p>
             <a:pPr lvl="3"/>
             <a:r>
-              <a:rPr lang="en-US" smtClean="0"/>
+              <a:rPr lang="en-US"/>
               <a:t>Fourth level</a:t>
             </a:r>
           </a:p>
           <a:p>
             <a:pPr lvl="4"/>
             <a:r>
-              <a:rPr lang="en-US" smtClean="0"/>
+              <a:rPr lang="en-US"/>
               <a:t>Fifth level</a:t>
             </a:r>
-            <a:endParaRPr lang="en-US"/>
           </a:p>
         </p:txBody>
       </p:sp>
@@ -626,7 +625,7 @@
           </a:lstStyle>
           <a:p>
             <a:r>
-              <a:rPr lang="en-US" smtClean="0"/>
+              <a:rPr lang="en-US"/>
               <a:t>Click to edit Master title style</a:t>
             </a:r>
             <a:endParaRPr lang="en-US" dirty="0"/>
@@ -701,7 +700,7 @@
           </a:lstStyle>
           <a:p>
             <a:r>
-              <a:rPr lang="en-US" smtClean="0"/>
+              <a:rPr lang="en-US"/>
               <a:t>Click to edit Master subtitle style</a:t>
             </a:r>
             <a:endParaRPr lang="en-US" dirty="0"/>
@@ -725,7 +724,7 @@
           <a:p>
             <a:fld id="{1160EA64-D806-43AC-9DF2-F8C432F32B4C}" type="datetimeFigureOut">
               <a:rPr lang="en-US" dirty="0"/>
-              <a:t>4/28/17</a:t>
+              <a:t>04/29/2017</a:t>
             </a:fld>
             <a:endParaRPr lang="en-US" dirty="0"/>
           </a:p>
@@ -815,7 +814,7 @@
           <a:lstStyle/>
           <a:p>
             <a:r>
-              <a:rPr lang="en-US" smtClean="0"/>
+              <a:rPr lang="en-US"/>
               <a:t>Click to edit Master title style</a:t>
             </a:r>
             <a:endParaRPr lang="en-US" dirty="0"/>
@@ -839,35 +838,35 @@
           <a:p>
             <a:pPr lvl="0"/>
             <a:r>
-              <a:rPr lang="en-US" smtClean="0"/>
+              <a:rPr lang="en-US"/>
               <a:t>Click to edit Master text styles</a:t>
             </a:r>
           </a:p>
           <a:p>
             <a:pPr lvl="1"/>
             <a:r>
-              <a:rPr lang="en-US" smtClean="0"/>
+              <a:rPr lang="en-US"/>
               <a:t>Second level</a:t>
             </a:r>
           </a:p>
           <a:p>
             <a:pPr lvl="2"/>
             <a:r>
-              <a:rPr lang="en-US" smtClean="0"/>
+              <a:rPr lang="en-US"/>
               <a:t>Third level</a:t>
             </a:r>
           </a:p>
           <a:p>
             <a:pPr lvl="3"/>
             <a:r>
-              <a:rPr lang="en-US" smtClean="0"/>
+              <a:rPr lang="en-US"/>
               <a:t>Fourth level</a:t>
             </a:r>
           </a:p>
           <a:p>
             <a:pPr lvl="4"/>
             <a:r>
-              <a:rPr lang="en-US" smtClean="0"/>
+              <a:rPr lang="en-US"/>
               <a:t>Fifth level</a:t>
             </a:r>
             <a:endParaRPr lang="en-US" dirty="0"/>
@@ -891,7 +890,7 @@
           <a:p>
             <a:fld id="{E9F9C37B-1D36-470B-8223-D6C91242EC14}" type="datetimeFigureOut">
               <a:rPr lang="en-US" dirty="0"/>
-              <a:t>4/28/17</a:t>
+              <a:t>04/29/2017</a:t>
             </a:fld>
             <a:endParaRPr lang="en-US" dirty="0"/>
           </a:p>
@@ -985,7 +984,7 @@
           <a:lstStyle/>
           <a:p>
             <a:r>
-              <a:rPr lang="en-US" smtClean="0"/>
+              <a:rPr lang="en-US"/>
               <a:t>Click to edit Master title style</a:t>
             </a:r>
             <a:endParaRPr lang="en-US" dirty="0"/>
@@ -1014,35 +1013,35 @@
           <a:p>
             <a:pPr lvl="0"/>
             <a:r>
-              <a:rPr lang="en-US" smtClean="0"/>
+              <a:rPr lang="en-US"/>
               <a:t>Click to edit Master text styles</a:t>
             </a:r>
           </a:p>
           <a:p>
             <a:pPr lvl="1"/>
             <a:r>
-              <a:rPr lang="en-US" smtClean="0"/>
+              <a:rPr lang="en-US"/>
               <a:t>Second level</a:t>
             </a:r>
           </a:p>
           <a:p>
             <a:pPr lvl="2"/>
             <a:r>
-              <a:rPr lang="en-US" smtClean="0"/>
+              <a:rPr lang="en-US"/>
               <a:t>Third level</a:t>
             </a:r>
           </a:p>
           <a:p>
             <a:pPr lvl="3"/>
             <a:r>
-              <a:rPr lang="en-US" smtClean="0"/>
+              <a:rPr lang="en-US"/>
               <a:t>Fourth level</a:t>
             </a:r>
           </a:p>
           <a:p>
             <a:pPr lvl="4"/>
             <a:r>
-              <a:rPr lang="en-US" smtClean="0"/>
+              <a:rPr lang="en-US"/>
               <a:t>Fifth level</a:t>
             </a:r>
             <a:endParaRPr lang="en-US" dirty="0"/>
@@ -1066,7 +1065,7 @@
           <a:p>
             <a:fld id="{67C6F52A-A82B-47A2-A83A-8C4C91F2D59F}" type="datetimeFigureOut">
               <a:rPr lang="en-US" dirty="0"/>
-              <a:t>4/28/17</a:t>
+              <a:t>04/29/2017</a:t>
             </a:fld>
             <a:endParaRPr lang="en-US" dirty="0"/>
           </a:p>
@@ -1155,7 +1154,7 @@
           <a:lstStyle/>
           <a:p>
             <a:r>
-              <a:rPr lang="en-US" smtClean="0"/>
+              <a:rPr lang="en-US"/>
               <a:t>Click to edit Master title style</a:t>
             </a:r>
             <a:endParaRPr lang="en-US" dirty="0"/>
@@ -1179,35 +1178,35 @@
           <a:p>
             <a:pPr lvl="0"/>
             <a:r>
-              <a:rPr lang="en-US" smtClean="0"/>
+              <a:rPr lang="en-US"/>
               <a:t>Click to edit Master text styles</a:t>
             </a:r>
           </a:p>
           <a:p>
             <a:pPr lvl="1"/>
             <a:r>
-              <a:rPr lang="en-US" smtClean="0"/>
+              <a:rPr lang="en-US"/>
               <a:t>Second level</a:t>
             </a:r>
           </a:p>
           <a:p>
             <a:pPr lvl="2"/>
             <a:r>
-              <a:rPr lang="en-US" smtClean="0"/>
+              <a:rPr lang="en-US"/>
               <a:t>Third level</a:t>
             </a:r>
           </a:p>
           <a:p>
             <a:pPr lvl="3"/>
             <a:r>
-              <a:rPr lang="en-US" smtClean="0"/>
+              <a:rPr lang="en-US"/>
               <a:t>Fourth level</a:t>
             </a:r>
           </a:p>
           <a:p>
             <a:pPr lvl="4"/>
             <a:r>
-              <a:rPr lang="en-US" smtClean="0"/>
+              <a:rPr lang="en-US"/>
               <a:t>Fifth level</a:t>
             </a:r>
             <a:endParaRPr lang="en-US" dirty="0"/>
@@ -1231,7 +1230,7 @@
           <a:p>
             <a:fld id="{F070A7B3-6521-4DCA-87E5-044747A908C1}" type="datetimeFigureOut">
               <a:rPr lang="en-US" dirty="0"/>
-              <a:t>4/28/17</a:t>
+              <a:t>04/29/2017</a:t>
             </a:fld>
             <a:endParaRPr lang="en-US" dirty="0"/>
           </a:p>
@@ -1352,7 +1351,7 @@
           </a:lstStyle>
           <a:p>
             <a:r>
-              <a:rPr lang="en-US" smtClean="0"/>
+              <a:rPr lang="en-US"/>
               <a:t>Click to edit Master title style</a:t>
             </a:r>
             <a:endParaRPr lang="en-US" dirty="0"/>
@@ -1472,7 +1471,7 @@
           <a:p>
             <a:pPr lvl="0"/>
             <a:r>
-              <a:rPr lang="en-US" smtClean="0"/>
+              <a:rPr lang="en-US"/>
               <a:t>Click to edit Master text styles</a:t>
             </a:r>
           </a:p>
@@ -1495,7 +1494,7 @@
           <a:p>
             <a:fld id="{1160EA64-D806-43AC-9DF2-F8C432F32B4C}" type="datetimeFigureOut">
               <a:rPr lang="en-US" dirty="0"/>
-              <a:t>4/28/17</a:t>
+              <a:t>04/29/2017</a:t>
             </a:fld>
             <a:endParaRPr lang="en-US" dirty="0"/>
           </a:p>
@@ -1585,7 +1584,7 @@
           <a:lstStyle/>
           <a:p>
             <a:r>
-              <a:rPr lang="en-US" smtClean="0"/>
+              <a:rPr lang="en-US"/>
               <a:t>Click to edit Master title style</a:t>
             </a:r>
             <a:endParaRPr lang="en-US" dirty="0"/>
@@ -1614,35 +1613,35 @@
           <a:p>
             <a:pPr lvl="0"/>
             <a:r>
-              <a:rPr lang="en-US" smtClean="0"/>
+              <a:rPr lang="en-US"/>
               <a:t>Click to edit Master text styles</a:t>
             </a:r>
           </a:p>
           <a:p>
             <a:pPr lvl="1"/>
             <a:r>
-              <a:rPr lang="en-US" smtClean="0"/>
+              <a:rPr lang="en-US"/>
               <a:t>Second level</a:t>
             </a:r>
           </a:p>
           <a:p>
             <a:pPr lvl="2"/>
             <a:r>
-              <a:rPr lang="en-US" smtClean="0"/>
+              <a:rPr lang="en-US"/>
               <a:t>Third level</a:t>
             </a:r>
           </a:p>
           <a:p>
             <a:pPr lvl="3"/>
             <a:r>
-              <a:rPr lang="en-US" smtClean="0"/>
+              <a:rPr lang="en-US"/>
               <a:t>Fourth level</a:t>
             </a:r>
           </a:p>
           <a:p>
             <a:pPr lvl="4"/>
             <a:r>
-              <a:rPr lang="en-US" smtClean="0"/>
+              <a:rPr lang="en-US"/>
               <a:t>Fifth level</a:t>
             </a:r>
             <a:endParaRPr lang="en-US" dirty="0"/>
@@ -1671,35 +1670,35 @@
           <a:p>
             <a:pPr lvl="0"/>
             <a:r>
-              <a:rPr lang="en-US" smtClean="0"/>
+              <a:rPr lang="en-US"/>
               <a:t>Click to edit Master text styles</a:t>
             </a:r>
           </a:p>
           <a:p>
             <a:pPr lvl="1"/>
             <a:r>
-              <a:rPr lang="en-US" smtClean="0"/>
+              <a:rPr lang="en-US"/>
               <a:t>Second level</a:t>
             </a:r>
           </a:p>
           <a:p>
             <a:pPr lvl="2"/>
             <a:r>
-              <a:rPr lang="en-US" smtClean="0"/>
+              <a:rPr lang="en-US"/>
               <a:t>Third level</a:t>
             </a:r>
           </a:p>
           <a:p>
             <a:pPr lvl="3"/>
             <a:r>
-              <a:rPr lang="en-US" smtClean="0"/>
+              <a:rPr lang="en-US"/>
               <a:t>Fourth level</a:t>
             </a:r>
           </a:p>
           <a:p>
             <a:pPr lvl="4"/>
             <a:r>
-              <a:rPr lang="en-US" smtClean="0"/>
+              <a:rPr lang="en-US"/>
               <a:t>Fifth level</a:t>
             </a:r>
             <a:endParaRPr lang="en-US" dirty="0"/>
@@ -1723,7 +1722,7 @@
           <a:p>
             <a:fld id="{AB134690-1557-4C89-A502-4959FE7FAD70}" type="datetimeFigureOut">
               <a:rPr lang="en-US" dirty="0"/>
-              <a:t>4/28/17</a:t>
+              <a:t>04/29/2017</a:t>
             </a:fld>
             <a:endParaRPr lang="en-US" dirty="0"/>
           </a:p>
@@ -1863,7 +1862,7 @@
           <a:p>
             <a:pPr lvl="0"/>
             <a:r>
-              <a:rPr lang="en-US" smtClean="0"/>
+              <a:rPr lang="en-US"/>
               <a:t>Click to edit Master text styles</a:t>
             </a:r>
           </a:p>
@@ -1891,35 +1890,35 @@
           <a:p>
             <a:pPr lvl="0"/>
             <a:r>
-              <a:rPr lang="en-US" smtClean="0"/>
+              <a:rPr lang="en-US"/>
               <a:t>Click to edit Master text styles</a:t>
             </a:r>
           </a:p>
           <a:p>
             <a:pPr lvl="1"/>
             <a:r>
-              <a:rPr lang="en-US" smtClean="0"/>
+              <a:rPr lang="en-US"/>
               <a:t>Second level</a:t>
             </a:r>
           </a:p>
           <a:p>
             <a:pPr lvl="2"/>
             <a:r>
-              <a:rPr lang="en-US" smtClean="0"/>
+              <a:rPr lang="en-US"/>
               <a:t>Third level</a:t>
             </a:r>
           </a:p>
           <a:p>
             <a:pPr lvl="3"/>
             <a:r>
-              <a:rPr lang="en-US" smtClean="0"/>
+              <a:rPr lang="en-US"/>
               <a:t>Fourth level</a:t>
             </a:r>
           </a:p>
           <a:p>
             <a:pPr lvl="4"/>
             <a:r>
-              <a:rPr lang="en-US" smtClean="0"/>
+              <a:rPr lang="en-US"/>
               <a:t>Fifth level</a:t>
             </a:r>
             <a:endParaRPr lang="en-US" dirty="0"/>
@@ -1952,35 +1951,35 @@
           <a:p>
             <a:pPr lvl="0"/>
             <a:r>
-              <a:rPr lang="en-US" smtClean="0"/>
+              <a:rPr lang="en-US"/>
               <a:t>Click to edit Master text styles</a:t>
             </a:r>
           </a:p>
           <a:p>
             <a:pPr lvl="1"/>
             <a:r>
-              <a:rPr lang="en-US" smtClean="0"/>
+              <a:rPr lang="en-US"/>
               <a:t>Second level</a:t>
             </a:r>
           </a:p>
           <a:p>
             <a:pPr lvl="2"/>
             <a:r>
-              <a:rPr lang="en-US" smtClean="0"/>
+              <a:rPr lang="en-US"/>
               <a:t>Third level</a:t>
             </a:r>
           </a:p>
           <a:p>
             <a:pPr lvl="3"/>
             <a:r>
-              <a:rPr lang="en-US" smtClean="0"/>
+              <a:rPr lang="en-US"/>
               <a:t>Fourth level</a:t>
             </a:r>
           </a:p>
           <a:p>
             <a:pPr lvl="4"/>
             <a:r>
-              <a:rPr lang="en-US" smtClean="0"/>
+              <a:rPr lang="en-US"/>
               <a:t>Fifth level</a:t>
             </a:r>
             <a:endParaRPr lang="en-US" dirty="0"/>
@@ -2054,7 +2053,7 @@
           <a:p>
             <a:pPr lvl="0"/>
             <a:r>
-              <a:rPr lang="en-US" smtClean="0"/>
+              <a:rPr lang="en-US"/>
               <a:t>Click to edit Master text styles</a:t>
             </a:r>
           </a:p>
@@ -2077,7 +2076,7 @@
           <a:p>
             <a:fld id="{4F7D4976-E339-4826-83B7-FBD03F55ECF8}" type="datetimeFigureOut">
               <a:rPr lang="en-US" dirty="0"/>
-              <a:t>4/28/17</a:t>
+              <a:t>04/29/2017</a:t>
             </a:fld>
             <a:endParaRPr lang="en-US" dirty="0"/>
           </a:p>
@@ -2141,7 +2140,7 @@
           <a:lstStyle/>
           <a:p>
             <a:r>
-              <a:rPr lang="en-US" smtClean="0"/>
+              <a:rPr lang="en-US"/>
               <a:t>Click to edit Master title style</a:t>
             </a:r>
             <a:endParaRPr lang="en-US" dirty="0"/>
@@ -2189,7 +2188,7 @@
           <a:lstStyle/>
           <a:p>
             <a:r>
-              <a:rPr lang="en-US" smtClean="0"/>
+              <a:rPr lang="en-US"/>
               <a:t>Click to edit Master title style</a:t>
             </a:r>
             <a:endParaRPr lang="en-US" dirty="0"/>
@@ -2213,7 +2212,7 @@
           <a:p>
             <a:fld id="{E1037C31-9E7A-4F99-8774-A0E530DE1A42}" type="datetimeFigureOut">
               <a:rPr lang="en-US" dirty="0"/>
-              <a:t>4/28/17</a:t>
+              <a:t>04/29/2017</a:t>
             </a:fld>
             <a:endParaRPr lang="en-US" dirty="0"/>
           </a:p>
@@ -2303,7 +2302,7 @@
           <a:p>
             <a:fld id="{C278504F-A551-4DE0-9316-4DCD1D8CC752}" type="datetimeFigureOut">
               <a:rPr lang="en-US" dirty="0"/>
-              <a:t>4/28/17</a:t>
+              <a:t>04/29/2017</a:t>
             </a:fld>
             <a:endParaRPr lang="en-US" dirty="0"/>
           </a:p>
@@ -2453,7 +2452,7 @@
           </a:lstStyle>
           <a:p>
             <a:r>
-              <a:rPr lang="en-US" smtClean="0"/>
+              <a:rPr lang="en-US"/>
               <a:t>Click to edit Master title style</a:t>
             </a:r>
             <a:endParaRPr lang="en-US" dirty="0"/>
@@ -2532,35 +2531,35 @@
           <a:p>
             <a:pPr lvl="0"/>
             <a:r>
-              <a:rPr lang="en-US" smtClean="0"/>
+              <a:rPr lang="en-US"/>
               <a:t>Click to edit Master text styles</a:t>
             </a:r>
           </a:p>
           <a:p>
             <a:pPr lvl="1"/>
             <a:r>
-              <a:rPr lang="en-US" smtClean="0"/>
+              <a:rPr lang="en-US"/>
               <a:t>Second level</a:t>
             </a:r>
           </a:p>
           <a:p>
             <a:pPr lvl="2"/>
             <a:r>
-              <a:rPr lang="en-US" smtClean="0"/>
+              <a:rPr lang="en-US"/>
               <a:t>Third level</a:t>
             </a:r>
           </a:p>
           <a:p>
             <a:pPr lvl="3"/>
             <a:r>
-              <a:rPr lang="en-US" smtClean="0"/>
+              <a:rPr lang="en-US"/>
               <a:t>Fourth level</a:t>
             </a:r>
           </a:p>
           <a:p>
             <a:pPr lvl="4"/>
             <a:r>
-              <a:rPr lang="en-US" smtClean="0"/>
+              <a:rPr lang="en-US"/>
               <a:t>Fifth level</a:t>
             </a:r>
             <a:endParaRPr lang="en-US" dirty="0"/>
@@ -2632,7 +2631,7 @@
           <a:p>
             <a:pPr lvl="0"/>
             <a:r>
-              <a:rPr lang="en-US" smtClean="0"/>
+              <a:rPr lang="en-US"/>
               <a:t>Click to edit Master text styles</a:t>
             </a:r>
           </a:p>
@@ -2655,7 +2654,7 @@
           <a:p>
             <a:fld id="{D1BE4249-C0D0-4B06-8692-E8BB871AF643}" type="datetimeFigureOut">
               <a:rPr lang="en-US" dirty="0"/>
-              <a:t>4/28/17</a:t>
+              <a:t>04/29/2017</a:t>
             </a:fld>
             <a:endParaRPr lang="en-US" dirty="0"/>
           </a:p>
@@ -2820,7 +2819,7 @@
           </a:lstStyle>
           <a:p>
             <a:r>
-              <a:rPr lang="en-US" smtClean="0"/>
+              <a:rPr lang="en-US"/>
               <a:t>Click to edit Master title style</a:t>
             </a:r>
             <a:endParaRPr lang="en-US" dirty="0"/>
@@ -2897,7 +2896,7 @@
           </a:lstStyle>
           <a:p>
             <a:r>
-              <a:rPr lang="en-US" smtClean="0"/>
+              <a:rPr lang="en-US"/>
               <a:t>Drag picture to placeholder or click icon to add</a:t>
             </a:r>
             <a:endParaRPr lang="en-US" dirty="0"/>
@@ -2969,7 +2968,7 @@
           <a:p>
             <a:pPr lvl="0"/>
             <a:r>
-              <a:rPr lang="en-US" smtClean="0"/>
+              <a:rPr lang="en-US"/>
               <a:t>Click to edit Master text styles</a:t>
             </a:r>
           </a:p>
@@ -3007,7 +3006,7 @@
           <a:p>
             <a:fld id="{042B0DB6-F5C7-45FB-8CF3-31B45F9C2DAC}" type="datetimeFigureOut">
               <a:rPr lang="en-US" dirty="0"/>
-              <a:t>4/28/17</a:t>
+              <a:t>04/29/2017</a:t>
             </a:fld>
             <a:endParaRPr lang="en-US" dirty="0"/>
           </a:p>
@@ -3140,7 +3139,7 @@
           <a:lstStyle/>
           <a:p>
             <a:r>
-              <a:rPr lang="en-US" smtClean="0"/>
+              <a:rPr lang="en-US"/>
               <a:t>Click to edit Master title style</a:t>
             </a:r>
             <a:endParaRPr lang="en-US" dirty="0"/>
@@ -3243,7 +3242,7 @@
           <a:p>
             <a:fld id="{1160EA64-D806-43AC-9DF2-F8C432F32B4C}" type="datetimeFigureOut">
               <a:rPr lang="en-US" dirty="0"/>
-              <a:t>4/28/17</a:t>
+              <a:t>04/29/2017</a:t>
             </a:fld>
             <a:endParaRPr lang="en-US" dirty="0"/>
           </a:p>
@@ -3714,11 +3713,7 @@
           <a:p>
             <a:r>
               <a:rPr lang="en-US" sz="4000" dirty="0"/>
-              <a:t>A sneak peak into </a:t>
-            </a:r>
-            <a:r>
-              <a:rPr lang="en-US" sz="4000" dirty="0" smtClean="0"/>
-              <a:t>Airbnb </a:t>
+              <a:t>A sneak peak into Airbnb </a:t>
             </a:r>
             <a:endParaRPr lang="en-US" dirty="0"/>
           </a:p>
@@ -3748,37 +3743,36 @@
           <a:p>
             <a:pPr algn="l"/>
             <a:r>
-              <a:rPr lang="en-US" dirty="0" smtClean="0"/>
+              <a:rPr lang="en-US" dirty="0"/>
               <a:t>Course: Big Data System Engineering Using Scala</a:t>
             </a:r>
           </a:p>
           <a:p>
             <a:pPr algn="l"/>
             <a:r>
-              <a:rPr lang="en-US" dirty="0" smtClean="0"/>
+              <a:rPr lang="en-US" dirty="0"/>
               <a:t>Professor: Robin </a:t>
             </a:r>
             <a:r>
-              <a:rPr lang="en-US" dirty="0" err="1" smtClean="0"/>
+              <a:rPr lang="en-US" dirty="0" err="1"/>
               <a:t>Hillyard</a:t>
             </a:r>
-            <a:endParaRPr lang="en-US" dirty="0" smtClean="0"/>
+            <a:endParaRPr lang="en-US" dirty="0"/>
           </a:p>
           <a:p>
             <a:pPr algn="l"/>
             <a:r>
-              <a:rPr lang="en-US" dirty="0" smtClean="0"/>
+              <a:rPr lang="en-US" dirty="0"/>
               <a:t>Team-5: Akash, </a:t>
             </a:r>
             <a:r>
-              <a:rPr lang="en-US" dirty="0" err="1" smtClean="0"/>
+              <a:rPr lang="en-US" dirty="0" err="1"/>
               <a:t>Tejesh</a:t>
             </a:r>
             <a:r>
-              <a:rPr lang="en-US" dirty="0" smtClean="0"/>
+              <a:rPr lang="en-US" dirty="0"/>
               <a:t> &amp; Vinay</a:t>
             </a:r>
-            <a:endParaRPr lang="en-US" dirty="0"/>
           </a:p>
         </p:txBody>
       </p:sp>
@@ -3792,13 +3786,6 @@
   <p:clrMapOvr>
     <a:masterClrMapping/>
   </p:clrMapOvr>
-  <p:timing>
-    <p:tnLst>
-      <p:par>
-        <p:cTn id="1" dur="indefinite" restart="never" nodeType="tmRoot"/>
-      </p:par>
-    </p:tnLst>
-  </p:timing>
 </p:sld>
 </file>
 
@@ -3926,13 +3913,6 @@
   <p:clrMapOvr>
     <a:masterClrMapping/>
   </p:clrMapOvr>
-  <p:timing>
-    <p:tnLst>
-      <p:par>
-        <p:cTn id="1" dur="indefinite" restart="never" nodeType="tmRoot"/>
-      </p:par>
-    </p:tnLst>
-  </p:timing>
 </p:sld>
 </file>
 
@@ -4044,13 +4024,6 @@
   <p:clrMapOvr>
     <a:masterClrMapping/>
   </p:clrMapOvr>
-  <p:timing>
-    <p:tnLst>
-      <p:par>
-        <p:cTn id="1" dur="indefinite" restart="never" nodeType="tmRoot"/>
-      </p:par>
-    </p:tnLst>
-  </p:timing>
 </p:sld>
 </file>
 
@@ -4087,29 +4060,28 @@
           <a:lstStyle/>
           <a:p>
             <a:r>
-              <a:rPr lang="en-US" dirty="0" smtClean="0"/>
+              <a:rPr lang="en-US" dirty="0"/>
               <a:t>Milestone</a:t>
             </a:r>
+          </a:p>
+        </p:txBody>
+      </p:sp>
+      <p:sp>
+        <p:nvSpPr>
+          <p:cNvPr id="3" name="Content Placeholder 2"/>
+          <p:cNvSpPr>
+            <a:spLocks noGrp="1"/>
+          </p:cNvSpPr>
+          <p:nvPr>
+            <p:ph idx="1"/>
+          </p:nvPr>
+        </p:nvSpPr>
+        <p:spPr/>
+        <p:txBody>
+          <a:bodyPr/>
+          <a:lstStyle/>
+          <a:p>
             <a:endParaRPr lang="en-US" dirty="0"/>
-          </a:p>
-        </p:txBody>
-      </p:sp>
-      <p:sp>
-        <p:nvSpPr>
-          <p:cNvPr id="3" name="Content Placeholder 2"/>
-          <p:cNvSpPr>
-            <a:spLocks noGrp="1"/>
-          </p:cNvSpPr>
-          <p:nvPr>
-            <p:ph idx="1"/>
-          </p:nvPr>
-        </p:nvSpPr>
-        <p:spPr/>
-        <p:txBody>
-          <a:bodyPr/>
-          <a:lstStyle/>
-          <a:p>
-            <a:endParaRPr lang="en-US" dirty="0" smtClean="0"/>
           </a:p>
           <a:p>
             <a:endParaRPr lang="en-US" dirty="0"/>
@@ -4141,8 +4113,20 @@
                 <a:tableStyleId>{5C22544A-7EE6-4342-B048-85BDC9FD1C3A}</a:tableStyleId>
               </a:tblPr>
               <a:tblGrid>
-                <a:gridCol w="4064000"/>
-                <a:gridCol w="4064000"/>
+                <a:gridCol w="4064000">
+                  <a:extLst>
+                    <a:ext uri="{9D8B030D-6E8A-4147-A177-3AD203B41FA5}">
+                      <a16:colId xmlns:a16="http://schemas.microsoft.com/office/drawing/2014/main" val="20000"/>
+                    </a:ext>
+                  </a:extLst>
+                </a:gridCol>
+                <a:gridCol w="4064000">
+                  <a:extLst>
+                    <a:ext uri="{9D8B030D-6E8A-4147-A177-3AD203B41FA5}">
+                      <a16:colId xmlns:a16="http://schemas.microsoft.com/office/drawing/2014/main" val="20001"/>
+                    </a:ext>
+                  </a:extLst>
+                </a:gridCol>
               </a:tblGrid>
               <a:tr h="370840">
                 <a:tc>
@@ -4151,10 +4135,9 @@
                     <a:lstStyle/>
                     <a:p>
                       <a:r>
-                        <a:rPr lang="en-US" dirty="0" smtClean="0"/>
+                        <a:rPr lang="en-US" dirty="0"/>
                         <a:t>Task</a:t>
                       </a:r>
-                      <a:endParaRPr lang="en-US" dirty="0"/>
                     </a:p>
                   </a:txBody>
                   <a:tcPr/>
@@ -4165,14 +4148,18 @@
                     <a:lstStyle/>
                     <a:p>
                       <a:r>
-                        <a:rPr lang="en-US" dirty="0" smtClean="0"/>
+                        <a:rPr lang="en-US" dirty="0"/>
                         <a:t>Time</a:t>
                       </a:r>
-                      <a:endParaRPr lang="en-US" dirty="0"/>
                     </a:p>
                   </a:txBody>
                   <a:tcPr/>
                 </a:tc>
+                <a:extLst>
+                  <a:ext uri="{0D108BD9-81ED-4DB2-BD59-A6C34878D82A}">
+                    <a16:rowId xmlns:a16="http://schemas.microsoft.com/office/drawing/2014/main" val="10000"/>
+                  </a:ext>
+                </a:extLst>
               </a:tr>
               <a:tr h="370840">
                 <a:tc>
@@ -4181,11 +4168,11 @@
                     <a:lstStyle/>
                     <a:p>
                       <a:r>
-                        <a:rPr lang="en-US" dirty="0" smtClean="0"/>
+                        <a:rPr lang="en-US" dirty="0"/>
                         <a:t>Come</a:t>
                       </a:r>
                       <a:r>
-                        <a:rPr lang="en-US" baseline="0" dirty="0" smtClean="0"/>
+                        <a:rPr lang="en-US" baseline="0" dirty="0"/>
                         <a:t> up with the Prototype for our reactive System</a:t>
                       </a:r>
                       <a:endParaRPr lang="en-US" dirty="0"/>
@@ -4199,14 +4186,18 @@
                     <a:lstStyle/>
                     <a:p>
                       <a:r>
-                        <a:rPr lang="en-US" dirty="0" smtClean="0"/>
+                        <a:rPr lang="en-US" dirty="0"/>
                         <a:t>3/29</a:t>
                       </a:r>
-                      <a:endParaRPr lang="en-US" dirty="0"/>
                     </a:p>
                   </a:txBody>
                   <a:tcPr/>
                 </a:tc>
+                <a:extLst>
+                  <a:ext uri="{0D108BD9-81ED-4DB2-BD59-A6C34878D82A}">
+                    <a16:rowId xmlns:a16="http://schemas.microsoft.com/office/drawing/2014/main" val="10001"/>
+                  </a:ext>
+                </a:extLst>
               </a:tr>
               <a:tr h="370840">
                 <a:tc>
@@ -4215,11 +4206,11 @@
                     <a:lstStyle/>
                     <a:p>
                       <a:r>
-                        <a:rPr lang="en-US" dirty="0" smtClean="0"/>
+                        <a:rPr lang="en-US" dirty="0"/>
                         <a:t>Exploring and implementing</a:t>
                       </a:r>
                       <a:r>
-                        <a:rPr lang="en-US" baseline="0" dirty="0" smtClean="0"/>
+                        <a:rPr lang="en-US" baseline="0" dirty="0"/>
                         <a:t> Play,  Actor model and spark and unit tests</a:t>
                       </a:r>
                       <a:endParaRPr lang="en-US" dirty="0"/>
@@ -4233,14 +4224,18 @@
                     <a:lstStyle/>
                     <a:p>
                       <a:r>
-                        <a:rPr lang="en-US" dirty="0" smtClean="0"/>
+                        <a:rPr lang="en-US" dirty="0"/>
                         <a:t>4/15</a:t>
                       </a:r>
-                      <a:endParaRPr lang="en-US" dirty="0"/>
                     </a:p>
                   </a:txBody>
                   <a:tcPr/>
                 </a:tc>
+                <a:extLst>
+                  <a:ext uri="{0D108BD9-81ED-4DB2-BD59-A6C34878D82A}">
+                    <a16:rowId xmlns:a16="http://schemas.microsoft.com/office/drawing/2014/main" val="10002"/>
+                  </a:ext>
+                </a:extLst>
               </a:tr>
               <a:tr h="370840">
                 <a:tc>
@@ -4249,11 +4244,11 @@
                     <a:lstStyle/>
                     <a:p>
                       <a:r>
-                        <a:rPr lang="en-US" dirty="0" smtClean="0"/>
+                        <a:rPr lang="en-US" dirty="0"/>
                         <a:t>Integrating</a:t>
                       </a:r>
                       <a:r>
-                        <a:rPr lang="en-US" baseline="0" dirty="0" smtClean="0"/>
+                        <a:rPr lang="en-US" baseline="0" dirty="0"/>
                         <a:t> Spark and Play</a:t>
                       </a:r>
                       <a:endParaRPr lang="en-US" dirty="0"/>
@@ -4267,14 +4262,18 @@
                     <a:lstStyle/>
                     <a:p>
                       <a:r>
-                        <a:rPr lang="en-US" dirty="0" smtClean="0"/>
+                        <a:rPr lang="en-US" dirty="0"/>
                         <a:t>4/18</a:t>
                       </a:r>
-                      <a:endParaRPr lang="en-US" dirty="0"/>
                     </a:p>
                   </a:txBody>
                   <a:tcPr/>
                 </a:tc>
+                <a:extLst>
+                  <a:ext uri="{0D108BD9-81ED-4DB2-BD59-A6C34878D82A}">
+                    <a16:rowId xmlns:a16="http://schemas.microsoft.com/office/drawing/2014/main" val="10003"/>
+                  </a:ext>
+                </a:extLst>
               </a:tr>
               <a:tr h="370840">
                 <a:tc>
@@ -4283,18 +4282,17 @@
                     <a:lstStyle/>
                     <a:p>
                       <a:r>
-                        <a:rPr lang="en-US" dirty="0" smtClean="0"/>
+                        <a:rPr lang="en-US" dirty="0"/>
                         <a:t>Functional</a:t>
                       </a:r>
                       <a:r>
-                        <a:rPr lang="en-US" baseline="0" dirty="0" smtClean="0"/>
+                        <a:rPr lang="en-US" baseline="0" dirty="0"/>
                         <a:t> and load testing </a:t>
                       </a:r>
                       <a:r>
-                        <a:rPr lang="en-US" dirty="0" smtClean="0"/>
+                        <a:rPr lang="en-US" dirty="0"/>
                         <a:t>/self acceptance</a:t>
                       </a:r>
-                      <a:endParaRPr lang="en-US" dirty="0"/>
                     </a:p>
                   </a:txBody>
                   <a:tcPr/>
@@ -4305,14 +4303,18 @@
                     <a:lstStyle/>
                     <a:p>
                       <a:r>
-                        <a:rPr lang="en-US" dirty="0" smtClean="0"/>
+                        <a:rPr lang="en-US" dirty="0"/>
                         <a:t>4/22</a:t>
                       </a:r>
-                      <a:endParaRPr lang="en-US" dirty="0"/>
                     </a:p>
                   </a:txBody>
                   <a:tcPr/>
                 </a:tc>
+                <a:extLst>
+                  <a:ext uri="{0D108BD9-81ED-4DB2-BD59-A6C34878D82A}">
+                    <a16:rowId xmlns:a16="http://schemas.microsoft.com/office/drawing/2014/main" val="10004"/>
+                  </a:ext>
+                </a:extLst>
               </a:tr>
             </a:tbl>
           </a:graphicData>
@@ -4328,13 +4330,6 @@
   <p:clrMapOvr>
     <a:masterClrMapping/>
   </p:clrMapOvr>
-  <p:timing>
-    <p:tnLst>
-      <p:par>
-        <p:cTn id="1" dur="indefinite" restart="never" nodeType="tmRoot"/>
-      </p:par>
-    </p:tnLst>
-  </p:timing>
 </p:sld>
 </file>
 
@@ -4371,10 +4366,9 @@
           <a:lstStyle/>
           <a:p>
             <a:r>
-              <a:rPr lang="en-US" dirty="0" smtClean="0"/>
+              <a:rPr lang="en-US" dirty="0"/>
               <a:t>Acceptance Criteria</a:t>
             </a:r>
-            <a:endParaRPr lang="en-US" dirty="0"/>
           </a:p>
         </p:txBody>
       </p:sp>
@@ -4394,27 +4388,21 @@
           <a:lstStyle/>
           <a:p>
             <a:r>
-              <a:rPr lang="en-US" dirty="0" smtClean="0"/>
-              <a:t>Application </a:t>
-            </a:r>
-            <a:r>
-              <a:rPr lang="en-US" dirty="0" smtClean="0"/>
-              <a:t>should be truly reactive </a:t>
-            </a:r>
-            <a:endParaRPr lang="en-US" dirty="0" smtClean="0"/>
-          </a:p>
-          <a:p>
-            <a:r>
-              <a:rPr lang="en-US" dirty="0" smtClean="0"/>
-              <a:t>Provide user with a informative dashboard.</a:t>
-            </a:r>
-          </a:p>
-          <a:p>
-            <a:r>
-              <a:rPr lang="en-US" dirty="0" smtClean="0"/>
-              <a:t>Recommend listings based on the user preference.</a:t>
-            </a:r>
-            <a:endParaRPr lang="en-US" dirty="0" smtClean="0"/>
+              <a:rPr lang="en-US" dirty="0"/>
+              <a:t>Application should be truly reactive.</a:t>
+            </a:r>
+          </a:p>
+          <a:p>
+            <a:r>
+              <a:rPr lang="en-US" dirty="0"/>
+              <a:t>Provide user with a informative dashboard showing the analytical insights based on the Airbnb listings data.</a:t>
+            </a:r>
+          </a:p>
+          <a:p>
+            <a:r>
+              <a:rPr lang="en-US" dirty="0"/>
+              <a:t>Recommend listings based on the user preference with MSE value less than 5. Our model is successfully recommending listings to the user with an MSE value of 1.2, which fulfills the criteria easily and serves the purpose of a Recommendation System.</a:t>
+            </a:r>
           </a:p>
           <a:p>
             <a:endParaRPr lang="en-US" dirty="0"/>
@@ -4431,13 +4419,6 @@
   <p:clrMapOvr>
     <a:masterClrMapping/>
   </p:clrMapOvr>
-  <p:timing>
-    <p:tnLst>
-      <p:par>
-        <p:cTn id="1" dur="indefinite" restart="never" nodeType="tmRoot"/>
-      </p:par>
-    </p:tnLst>
-  </p:timing>
 </p:sld>
 </file>
 
@@ -4474,10 +4455,9 @@
           <a:lstStyle/>
           <a:p>
             <a:r>
-              <a:rPr lang="en-US" dirty="0" smtClean="0"/>
+              <a:rPr lang="en-US" dirty="0"/>
               <a:t>Thank you</a:t>
             </a:r>
-            <a:endParaRPr lang="en-US" dirty="0"/>
           </a:p>
         </p:txBody>
       </p:sp>
@@ -4524,7 +4504,7 @@
           <a:p>
             <a:pPr algn="ctr"/>
             <a:r>
-              <a:rPr lang="en-US" sz="5400" b="0" cap="none" spc="0" dirty="0" smtClean="0">
+              <a:rPr lang="en-US" sz="5400" b="0" cap="none" spc="0" dirty="0">
                 <a:ln w="0"/>
                 <a:solidFill>
                   <a:schemeClr val="accent1"/>
@@ -4539,19 +4519,6 @@
               </a:rPr>
               <a:t>Questions?</a:t>
             </a:r>
-            <a:endParaRPr lang="en-US" sz="5400" b="0" cap="none" spc="0" dirty="0">
-              <a:ln w="0"/>
-              <a:solidFill>
-                <a:schemeClr val="accent1"/>
-              </a:solidFill>
-              <a:effectLst>
-                <a:outerShdw blurRad="38100" dist="25400" dir="5400000" algn="ctr" rotWithShape="0">
-                  <a:srgbClr val="6E747A">
-                    <a:alpha val="43000"/>
-                  </a:srgbClr>
-                </a:outerShdw>
-              </a:effectLst>
-            </a:endParaRPr>
           </a:p>
         </p:txBody>
       </p:sp>
@@ -4565,13 +4532,6 @@
   <p:clrMapOvr>
     <a:masterClrMapping/>
   </p:clrMapOvr>
-  <p:timing>
-    <p:tnLst>
-      <p:par>
-        <p:cTn id="1" dur="indefinite" restart="never" nodeType="tmRoot"/>
-      </p:par>
-    </p:tnLst>
-  </p:timing>
 </p:sld>
 </file>
 
@@ -4608,10 +4568,9 @@
           <a:lstStyle/>
           <a:p>
             <a:r>
-              <a:rPr lang="en-US" dirty="0" smtClean="0"/>
+              <a:rPr lang="en-US" dirty="0"/>
               <a:t>Goals of the project</a:t>
             </a:r>
-            <a:endParaRPr lang="en-US" dirty="0"/>
           </a:p>
         </p:txBody>
       </p:sp>
@@ -4631,32 +4590,27 @@
           <a:lstStyle/>
           <a:p>
             <a:r>
-              <a:rPr lang="en-US" dirty="0" smtClean="0"/>
+              <a:rPr lang="en-US" dirty="0"/>
               <a:t>Building a reactive application that is based on Actor model using </a:t>
             </a:r>
             <a:r>
-              <a:rPr lang="en-US" dirty="0" err="1" smtClean="0"/>
+              <a:rPr lang="en-US" dirty="0" err="1"/>
               <a:t>Akka</a:t>
             </a:r>
             <a:r>
-              <a:rPr lang="en-US" dirty="0" smtClean="0"/>
+              <a:rPr lang="en-US" dirty="0"/>
               <a:t> framework and Play framework.</a:t>
             </a:r>
           </a:p>
           <a:p>
             <a:r>
-              <a:rPr lang="en-US" dirty="0" smtClean="0"/>
-              <a:t>Analyze the vibe of the neighborhood from the available listing </a:t>
-            </a:r>
-            <a:r>
-              <a:rPr lang="en-US" dirty="0" smtClean="0"/>
-              <a:t>dataset</a:t>
-            </a:r>
-            <a:endParaRPr lang="en-US" dirty="0" smtClean="0"/>
-          </a:p>
-          <a:p>
-            <a:r>
-              <a:rPr lang="en-US" dirty="0" smtClean="0"/>
+              <a:rPr lang="en-US" dirty="0"/>
+              <a:t>Analyze the vibe of the neighborhood from the available listing dataset</a:t>
+            </a:r>
+          </a:p>
+          <a:p>
+            <a:r>
+              <a:rPr lang="en-US" dirty="0"/>
               <a:t>Suggest user some relevant listings based on his/her past experience or locality preference.</a:t>
             </a:r>
           </a:p>
@@ -4672,13 +4626,6 @@
   <p:clrMapOvr>
     <a:masterClrMapping/>
   </p:clrMapOvr>
-  <p:timing>
-    <p:tnLst>
-      <p:par>
-        <p:cTn id="1" dur="indefinite" restart="never" nodeType="tmRoot"/>
-      </p:par>
-    </p:tnLst>
-  </p:timing>
 </p:sld>
 </file>
 
@@ -4715,10 +4662,9 @@
           <a:lstStyle/>
           <a:p>
             <a:r>
-              <a:rPr lang="en-US" dirty="0" smtClean="0"/>
+              <a:rPr lang="en-US" dirty="0"/>
               <a:t>What it took to achieve our goal</a:t>
             </a:r>
-            <a:endParaRPr lang="en-US" dirty="0"/>
           </a:p>
         </p:txBody>
       </p:sp>
@@ -4746,112 +4692,111 @@
           <a:p>
             <a:pPr lvl="1"/>
             <a:r>
-              <a:rPr lang="en-US" dirty="0" smtClean="0"/>
+              <a:rPr lang="en-US" dirty="0"/>
               <a:t>Play-Framework</a:t>
             </a:r>
           </a:p>
           <a:p>
             <a:pPr lvl="1"/>
             <a:r>
-              <a:rPr lang="en-US" dirty="0" err="1" smtClean="0"/>
+              <a:rPr lang="en-US" dirty="0" err="1"/>
               <a:t>Akka</a:t>
             </a:r>
-            <a:endParaRPr lang="en-US" dirty="0" smtClean="0"/>
+            <a:endParaRPr lang="en-US" dirty="0"/>
           </a:p>
           <a:p>
             <a:pPr lvl="1"/>
             <a:r>
-              <a:rPr lang="en-US" dirty="0" smtClean="0"/>
+              <a:rPr lang="en-US" dirty="0"/>
               <a:t>Slick(to help us make </a:t>
             </a:r>
             <a:r>
-              <a:rPr lang="en-US" dirty="0" err="1" smtClean="0"/>
+              <a:rPr lang="en-US" dirty="0" err="1"/>
               <a:t>async</a:t>
             </a:r>
             <a:r>
-              <a:rPr lang="en-US" dirty="0" smtClean="0"/>
+              <a:rPr lang="en-US" dirty="0"/>
               <a:t> DB calls to blocking DB)</a:t>
             </a:r>
           </a:p>
           <a:p>
             <a:pPr lvl="1"/>
             <a:r>
-              <a:rPr lang="en-US" dirty="0" smtClean="0"/>
+              <a:rPr lang="en-US" dirty="0"/>
               <a:t>MySQL</a:t>
             </a:r>
           </a:p>
           <a:p>
             <a:pPr lvl="1"/>
             <a:r>
-              <a:rPr lang="en-US" dirty="0" smtClean="0"/>
+              <a:rPr lang="en-US" dirty="0"/>
               <a:t>Kafka</a:t>
             </a:r>
           </a:p>
           <a:p>
             <a:pPr lvl="1"/>
             <a:r>
-              <a:rPr lang="en-US" dirty="0" smtClean="0"/>
+              <a:rPr lang="en-US" dirty="0"/>
               <a:t>Spark Streaming</a:t>
             </a:r>
           </a:p>
           <a:p>
             <a:pPr lvl="1"/>
             <a:r>
-              <a:rPr lang="en-US" dirty="0" smtClean="0"/>
+              <a:rPr lang="en-US" dirty="0"/>
               <a:t>Spark </a:t>
             </a:r>
             <a:r>
-              <a:rPr lang="en-US" dirty="0" err="1" smtClean="0"/>
+              <a:rPr lang="en-US" dirty="0" err="1"/>
               <a:t>MLlib</a:t>
             </a:r>
-            <a:endParaRPr lang="en-US" dirty="0" smtClean="0"/>
+            <a:endParaRPr lang="en-US" dirty="0"/>
           </a:p>
           <a:p>
             <a:pPr lvl="1"/>
             <a:r>
-              <a:rPr lang="en-US" dirty="0" err="1" smtClean="0"/>
+              <a:rPr lang="en-US" dirty="0" err="1"/>
               <a:t>HBase</a:t>
             </a:r>
-            <a:endParaRPr lang="en-US" dirty="0" smtClean="0"/>
+            <a:endParaRPr lang="en-US" dirty="0"/>
           </a:p>
           <a:p>
             <a:pPr lvl="1"/>
             <a:r>
-              <a:rPr lang="en-US" dirty="0" smtClean="0"/>
+              <a:rPr lang="en-US" dirty="0"/>
               <a:t>Apache Zookeeper</a:t>
             </a:r>
           </a:p>
           <a:p>
             <a:pPr lvl="1"/>
             <a:r>
-              <a:rPr lang="en-US" dirty="0" smtClean="0"/>
+              <a:rPr lang="en-US" dirty="0"/>
               <a:t>HDFS</a:t>
             </a:r>
           </a:p>
           <a:p>
             <a:pPr lvl="1"/>
             <a:r>
-              <a:rPr lang="en-US" dirty="0" smtClean="0"/>
+              <a:rPr lang="en-US" dirty="0"/>
               <a:t>Angular JS</a:t>
             </a:r>
           </a:p>
           <a:p>
             <a:pPr lvl="1"/>
             <a:r>
-              <a:rPr lang="en-US" dirty="0" smtClean="0"/>
+              <a:rPr lang="en-US" dirty="0"/>
               <a:t>Chart JS</a:t>
             </a:r>
-            <a:endParaRPr lang="en-US" dirty="0" smtClean="0"/>
           </a:p>
           <a:p>
             <a:pPr lvl="1"/>
-            <a:endParaRPr lang="en-US" dirty="0" smtClean="0"/>
-          </a:p>
-          <a:p>
-            <a:endParaRPr lang="en-US" dirty="0" smtClean="0"/>
-          </a:p>
-          <a:p>
-            <a:endParaRPr lang="en-US" dirty="0" smtClean="0"/>
+            <a:endParaRPr lang="en-US" dirty="0"/>
+          </a:p>
+          <a:p>
+            <a:endParaRPr lang="en-US" dirty="0"/>
+          </a:p>
+          <a:p>
+            <a:endParaRPr lang="en-US" dirty="0"/>
           </a:p>
         </p:txBody>
       </p:sp>
@@ -4865,13 +4810,6 @@
   <p:clrMapOvr>
     <a:masterClrMapping/>
   </p:clrMapOvr>
-  <p:timing>
-    <p:tnLst>
-      <p:par>
-        <p:cTn id="1" dur="indefinite" restart="never" nodeType="tmRoot"/>
-      </p:par>
-    </p:tnLst>
-  </p:timing>
 </p:sld>
 </file>
 
@@ -4908,10 +4846,9 @@
           <a:lstStyle/>
           <a:p>
             <a:r>
-              <a:rPr lang="en-US" dirty="0" smtClean="0"/>
+              <a:rPr lang="en-US" dirty="0"/>
               <a:t>CRAWLER-DOWNLOADER</a:t>
             </a:r>
-            <a:endParaRPr lang="en-US" dirty="0"/>
           </a:p>
         </p:txBody>
       </p:sp>
@@ -4938,33 +4875,26 @@
               <a:rPr lang="en-US" dirty="0">
                 <a:hlinkClick r:id="rId2"/>
               </a:rPr>
-              <a:t>http://</a:t>
-            </a:r>
-            <a:r>
-              <a:rPr lang="en-US" dirty="0" smtClean="0">
-                <a:hlinkClick r:id="rId2"/>
-              </a:rPr>
-              <a:t>insideairbnb.com/get-the-data.html</a:t>
-            </a:r>
-            <a:endParaRPr lang="en-US" dirty="0" smtClean="0"/>
-          </a:p>
-          <a:p>
-            <a:endParaRPr lang="en-US" dirty="0" smtClean="0"/>
-          </a:p>
-          <a:p>
-            <a:r>
-              <a:rPr lang="en-US" dirty="0" smtClean="0"/>
+              <a:t>http://insideairbnb.com/get-the-data.html</a:t>
+            </a:r>
+            <a:endParaRPr lang="en-US" dirty="0"/>
+          </a:p>
+          <a:p>
+            <a:endParaRPr lang="en-US" dirty="0"/>
+          </a:p>
+          <a:p>
+            <a:r>
+              <a:rPr lang="en-US" dirty="0"/>
               <a:t>Since there were more then 1000 files that we could download,  we built a crawler using Actors that could download all the required files with multiple tries for failed </a:t>
             </a:r>
             <a:r>
-              <a:rPr lang="en-US" dirty="0" err="1" smtClean="0"/>
+              <a:rPr lang="en-US" dirty="0" err="1"/>
               <a:t>atempts</a:t>
             </a:r>
             <a:r>
-              <a:rPr lang="en-US" dirty="0" smtClean="0"/>
+              <a:rPr lang="en-US" dirty="0"/>
               <a:t>.</a:t>
             </a:r>
-            <a:endParaRPr lang="en-US" dirty="0"/>
           </a:p>
         </p:txBody>
       </p:sp>
@@ -4978,13 +4908,6 @@
   <p:clrMapOvr>
     <a:masterClrMapping/>
   </p:clrMapOvr>
-  <p:timing>
-    <p:tnLst>
-      <p:par>
-        <p:cTn id="1" dur="indefinite" restart="never" nodeType="tmRoot"/>
-      </p:par>
-    </p:tnLst>
-  </p:timing>
 </p:sld>
 </file>
 
@@ -5028,10 +4951,9 @@
           <a:lstStyle/>
           <a:p>
             <a:r>
-              <a:rPr lang="en-US" smtClean="0"/>
+              <a:rPr lang="en-US"/>
               <a:t>Actor system</a:t>
             </a:r>
-            <a:endParaRPr lang="en-US"/>
           </a:p>
         </p:txBody>
       </p:sp>
@@ -5070,10 +4992,9 @@
           <a:p>
             <a:pPr algn="ctr"/>
             <a:r>
-              <a:rPr lang="en-US" dirty="0" smtClean="0"/>
+              <a:rPr lang="en-US" dirty="0"/>
               <a:t>Actor System</a:t>
             </a:r>
-            <a:endParaRPr lang="en-US" dirty="0"/>
           </a:p>
         </p:txBody>
       </p:sp>
@@ -5112,10 +5033,9 @@
           <a:p>
             <a:pPr algn="ctr"/>
             <a:r>
-              <a:rPr lang="en-US" dirty="0" smtClean="0"/>
+              <a:rPr lang="en-US" dirty="0"/>
               <a:t>Pool of Login Actor(10)</a:t>
             </a:r>
-            <a:endParaRPr lang="en-US" dirty="0"/>
           </a:p>
         </p:txBody>
       </p:sp>
@@ -5154,14 +5074,13 @@
           <a:p>
             <a:pPr algn="ctr"/>
             <a:r>
-              <a:rPr lang="en-US" dirty="0" err="1" smtClean="0"/>
+              <a:rPr lang="en-US" dirty="0" err="1"/>
               <a:t>WebSocket</a:t>
             </a:r>
             <a:r>
-              <a:rPr lang="en-US" dirty="0" smtClean="0"/>
+              <a:rPr lang="en-US" dirty="0"/>
               <a:t>  Actor</a:t>
             </a:r>
-            <a:endParaRPr lang="en-US" dirty="0"/>
           </a:p>
         </p:txBody>
       </p:sp>
@@ -5200,7 +5119,7 @@
           <a:p>
             <a:pPr algn="ctr"/>
             <a:r>
-              <a:rPr lang="en-US" smtClean="0"/>
+              <a:rPr lang="en-US"/>
               <a:t>Consumer Actor</a:t>
             </a:r>
             <a:endParaRPr lang="en-US" dirty="0"/>
@@ -5242,10 +5161,9 @@
           <a:p>
             <a:pPr algn="ctr"/>
             <a:r>
-              <a:rPr lang="en-US" dirty="0" smtClean="0"/>
+              <a:rPr lang="en-US" dirty="0"/>
               <a:t>Consumer Thread</a:t>
             </a:r>
-            <a:endParaRPr lang="en-US" dirty="0"/>
           </a:p>
         </p:txBody>
       </p:sp>
@@ -5284,24 +5202,23 @@
           <a:p>
             <a:pPr algn="ctr"/>
             <a:r>
-              <a:rPr lang="en-US" dirty="0" smtClean="0"/>
+              <a:rPr lang="en-US" dirty="0"/>
               <a:t>Spark Streaming</a:t>
             </a:r>
           </a:p>
           <a:p>
             <a:pPr algn="ctr"/>
             <a:r>
-              <a:rPr lang="en-US" dirty="0" smtClean="0"/>
+              <a:rPr lang="en-US" dirty="0"/>
               <a:t>Client </a:t>
             </a:r>
           </a:p>
           <a:p>
             <a:pPr algn="ctr"/>
             <a:r>
-              <a:rPr lang="en-US" dirty="0" smtClean="0"/>
+              <a:rPr lang="en-US" dirty="0"/>
               <a:t>Actor</a:t>
             </a:r>
-            <a:endParaRPr lang="en-US" dirty="0"/>
           </a:p>
         </p:txBody>
       </p:sp>
@@ -5544,14 +5461,13 @@
           <a:p>
             <a:pPr algn="ctr"/>
             <a:r>
-              <a:rPr lang="en-US" smtClean="0"/>
+              <a:rPr lang="en-US"/>
               <a:t>Kafka manager </a:t>
             </a:r>
             <a:r>
-              <a:rPr lang="en-US" dirty="0" smtClean="0"/>
+              <a:rPr lang="en-US" dirty="0"/>
               <a:t>actor</a:t>
             </a:r>
-            <a:endParaRPr lang="en-US" dirty="0"/>
           </a:p>
         </p:txBody>
       </p:sp>
@@ -5565,13 +5481,6 @@
   <p:clrMapOvr>
     <a:masterClrMapping/>
   </p:clrMapOvr>
-  <p:timing>
-    <p:tnLst>
-      <p:par>
-        <p:cTn id="1" dur="indefinite" restart="never" nodeType="tmRoot"/>
-      </p:par>
-    </p:tnLst>
-  </p:timing>
 </p:sld>
 </file>
 
@@ -5615,10 +5524,9 @@
           <a:lstStyle/>
           <a:p>
             <a:r>
-              <a:rPr lang="en-US" dirty="0" smtClean="0"/>
+              <a:rPr lang="en-US" dirty="0"/>
               <a:t>Architecture (Part 1)</a:t>
             </a:r>
-            <a:endParaRPr lang="en-US" dirty="0"/>
           </a:p>
         </p:txBody>
       </p:sp>
@@ -5657,7 +5565,7 @@
           <a:p>
             <a:pPr algn="ctr"/>
             <a:r>
-              <a:rPr lang="en-US" dirty="0" smtClean="0">
+              <a:rPr lang="en-US" dirty="0">
                 <a:ln w="0"/>
                 <a:solidFill>
                   <a:schemeClr val="tx1"/>
@@ -5672,19 +5580,6 @@
               </a:rPr>
               <a:t>PLAY</a:t>
             </a:r>
-            <a:endParaRPr lang="en-US" dirty="0">
-              <a:ln w="0"/>
-              <a:solidFill>
-                <a:schemeClr val="tx1"/>
-              </a:solidFill>
-              <a:effectLst>
-                <a:outerShdw blurRad="38100" dist="19050" dir="2700000" algn="tl" rotWithShape="0">
-                  <a:schemeClr val="dk1">
-                    <a:alpha val="40000"/>
-                  </a:schemeClr>
-                </a:outerShdw>
-              </a:effectLst>
-            </a:endParaRPr>
           </a:p>
         </p:txBody>
       </p:sp>
@@ -5723,10 +5618,9 @@
           <a:p>
             <a:pPr algn="ctr"/>
             <a:r>
-              <a:rPr lang="en-US" dirty="0" smtClean="0"/>
+              <a:rPr lang="en-US" dirty="0"/>
               <a:t>Client</a:t>
             </a:r>
-            <a:endParaRPr lang="en-US" dirty="0"/>
           </a:p>
         </p:txBody>
       </p:sp>
@@ -5765,10 +5659,9 @@
           <a:p>
             <a:pPr algn="ctr"/>
             <a:r>
-              <a:rPr lang="en-US" dirty="0" smtClean="0"/>
+              <a:rPr lang="en-US" dirty="0"/>
               <a:t>Pool of Login Actor(10)</a:t>
             </a:r>
-            <a:endParaRPr lang="en-US" dirty="0"/>
           </a:p>
         </p:txBody>
       </p:sp>
@@ -5825,10 +5718,9 @@
           <a:lstStyle/>
           <a:p>
             <a:r>
-              <a:rPr lang="en-US" dirty="0" smtClean="0"/>
+              <a:rPr lang="en-US" dirty="0"/>
               <a:t>MySQL</a:t>
             </a:r>
-            <a:endParaRPr lang="en-US" dirty="0"/>
           </a:p>
         </p:txBody>
       </p:sp>
@@ -5888,10 +5780,9 @@
           <a:lstStyle/>
           <a:p>
             <a:r>
-              <a:rPr lang="en-US" dirty="0" smtClean="0"/>
+              <a:rPr lang="en-US" dirty="0"/>
               <a:t>SLICK</a:t>
             </a:r>
-            <a:endParaRPr lang="en-US" dirty="0"/>
           </a:p>
         </p:txBody>
       </p:sp>
@@ -6116,10 +6007,9 @@
           <a:lstStyle/>
           <a:p>
             <a:r>
-              <a:rPr lang="en-US" smtClean="0"/>
+              <a:rPr lang="en-US"/>
               <a:t>Login</a:t>
             </a:r>
-            <a:endParaRPr lang="en-US"/>
           </a:p>
         </p:txBody>
       </p:sp>
@@ -6146,10 +6036,9 @@
           <a:lstStyle/>
           <a:p>
             <a:r>
-              <a:rPr lang="en-US" smtClean="0"/>
+              <a:rPr lang="en-US"/>
               <a:t>Get Dashboard</a:t>
             </a:r>
-            <a:endParaRPr lang="en-US"/>
           </a:p>
         </p:txBody>
       </p:sp>
@@ -6193,10 +6082,9 @@
           <a:p>
             <a:pPr algn="ctr"/>
             <a:r>
-              <a:rPr lang="en-US" smtClean="0"/>
+              <a:rPr lang="en-US"/>
               <a:t>HDFS</a:t>
             </a:r>
-            <a:endParaRPr lang="en-US"/>
           </a:p>
         </p:txBody>
       </p:sp>
@@ -6242,7 +6130,7 @@
           <a:p>
             <a:pPr algn="ctr"/>
             <a:r>
-              <a:rPr lang="en-US" dirty="0" err="1" smtClean="0"/>
+              <a:rPr lang="en-US" dirty="0" err="1"/>
               <a:t>HBase</a:t>
             </a:r>
             <a:endParaRPr lang="en-US" dirty="0"/>
@@ -6340,10 +6228,9 @@
           <a:lstStyle/>
           <a:p>
             <a:r>
-              <a:rPr lang="en-US" smtClean="0"/>
+              <a:rPr lang="en-US"/>
               <a:t>Futures</a:t>
             </a:r>
-            <a:endParaRPr lang="en-US"/>
           </a:p>
         </p:txBody>
       </p:sp>
@@ -6357,13 +6244,6 @@
   <p:clrMapOvr>
     <a:masterClrMapping/>
   </p:clrMapOvr>
-  <p:timing>
-    <p:tnLst>
-      <p:par>
-        <p:cTn id="1" dur="indefinite" restart="never" nodeType="tmRoot"/>
-      </p:par>
-    </p:tnLst>
-  </p:timing>
 </p:sld>
 </file>
 
@@ -6407,10 +6287,9 @@
           <a:lstStyle/>
           <a:p>
             <a:r>
-              <a:rPr lang="en-US" dirty="0" smtClean="0"/>
+              <a:rPr lang="en-US" dirty="0"/>
               <a:t>Architecture (part ii)</a:t>
             </a:r>
-            <a:endParaRPr lang="en-US" dirty="0"/>
           </a:p>
         </p:txBody>
       </p:sp>
@@ -6449,7 +6328,7 @@
           <a:p>
             <a:pPr algn="ctr"/>
             <a:r>
-              <a:rPr lang="en-US" dirty="0" smtClean="0">
+              <a:rPr lang="en-US" dirty="0">
                 <a:ln w="0"/>
                 <a:solidFill>
                   <a:schemeClr val="tx1"/>
@@ -6464,19 +6343,6 @@
               </a:rPr>
               <a:t>PLAY</a:t>
             </a:r>
-            <a:endParaRPr lang="en-US" dirty="0">
-              <a:ln w="0"/>
-              <a:solidFill>
-                <a:schemeClr val="tx1"/>
-              </a:solidFill>
-              <a:effectLst>
-                <a:outerShdw blurRad="38100" dist="19050" dir="2700000" algn="tl" rotWithShape="0">
-                  <a:schemeClr val="dk1">
-                    <a:alpha val="40000"/>
-                  </a:schemeClr>
-                </a:outerShdw>
-              </a:effectLst>
-            </a:endParaRPr>
           </a:p>
         </p:txBody>
       </p:sp>
@@ -6515,10 +6381,9 @@
           <a:p>
             <a:pPr algn="ctr"/>
             <a:r>
-              <a:rPr lang="en-US" dirty="0" smtClean="0"/>
+              <a:rPr lang="en-US" dirty="0"/>
               <a:t>Client</a:t>
             </a:r>
-            <a:endParaRPr lang="en-US" dirty="0"/>
           </a:p>
         </p:txBody>
       </p:sp>
@@ -6557,14 +6422,13 @@
           <a:p>
             <a:pPr algn="ctr"/>
             <a:r>
-              <a:rPr lang="en-US" smtClean="0"/>
+              <a:rPr lang="en-US"/>
               <a:t>Kafka manager </a:t>
             </a:r>
             <a:r>
-              <a:rPr lang="en-US" dirty="0" smtClean="0"/>
+              <a:rPr lang="en-US" dirty="0"/>
               <a:t>actor</a:t>
             </a:r>
-            <a:endParaRPr lang="en-US" dirty="0"/>
           </a:p>
         </p:txBody>
       </p:sp>
@@ -6603,14 +6467,13 @@
           <a:p>
             <a:pPr algn="ctr"/>
             <a:r>
-              <a:rPr lang="en-US" dirty="0" err="1" smtClean="0"/>
+              <a:rPr lang="en-US" dirty="0" err="1"/>
               <a:t>WebSocket</a:t>
             </a:r>
             <a:r>
-              <a:rPr lang="en-US" dirty="0" smtClean="0"/>
+              <a:rPr lang="en-US" dirty="0"/>
               <a:t>  Actor</a:t>
             </a:r>
-            <a:endParaRPr lang="en-US" dirty="0"/>
           </a:p>
         </p:txBody>
       </p:sp>
@@ -6649,7 +6512,7 @@
           <a:p>
             <a:pPr algn="ctr"/>
             <a:r>
-              <a:rPr lang="en-US" smtClean="0"/>
+              <a:rPr lang="en-US"/>
               <a:t>Consumer Actor</a:t>
             </a:r>
             <a:endParaRPr lang="en-US" dirty="0"/>
@@ -6691,10 +6554,9 @@
           <a:p>
             <a:pPr algn="ctr"/>
             <a:r>
-              <a:rPr lang="en-US" dirty="0" smtClean="0"/>
+              <a:rPr lang="en-US" dirty="0"/>
               <a:t>Consumer Thread</a:t>
             </a:r>
-            <a:endParaRPr lang="en-US" dirty="0"/>
           </a:p>
         </p:txBody>
       </p:sp>
@@ -6733,10 +6595,10 @@
           <a:p>
             <a:pPr algn="ctr"/>
             <a:r>
-              <a:rPr lang="en-US" smtClean="0"/>
+              <a:rPr lang="en-US"/>
               <a:t>Spark Streaming Actor</a:t>
             </a:r>
-            <a:endParaRPr lang="en-US" dirty="0" smtClean="0"/>
+            <a:endParaRPr lang="en-US" dirty="0"/>
           </a:p>
         </p:txBody>
       </p:sp>
@@ -6864,10 +6726,9 @@
           <a:lstStyle/>
           <a:p>
             <a:r>
-              <a:rPr lang="en-US" dirty="0" smtClean="0"/>
+              <a:rPr lang="en-US" dirty="0"/>
               <a:t>Topic - IN</a:t>
             </a:r>
-            <a:endParaRPr lang="en-US" dirty="0"/>
           </a:p>
         </p:txBody>
       </p:sp>
@@ -6894,10 +6755,9 @@
           <a:lstStyle/>
           <a:p>
             <a:r>
-              <a:rPr lang="en-US" smtClean="0"/>
+              <a:rPr lang="en-US"/>
               <a:t>Topic - OUT</a:t>
             </a:r>
-            <a:endParaRPr lang="en-US"/>
           </a:p>
         </p:txBody>
       </p:sp>
@@ -6990,10 +6850,9 @@
           <a:lstStyle/>
           <a:p>
             <a:r>
-              <a:rPr lang="en-US" dirty="0" smtClean="0"/>
+              <a:rPr lang="en-US" dirty="0"/>
               <a:t>     Kafka </a:t>
             </a:r>
-            <a:endParaRPr lang="en-US" dirty="0"/>
           </a:p>
         </p:txBody>
       </p:sp>
@@ -7203,14 +7062,13 @@
           <a:p>
             <a:pPr algn="ctr"/>
             <a:r>
-              <a:rPr lang="en-US" smtClean="0"/>
+              <a:rPr lang="en-US"/>
               <a:t>Kafka manager </a:t>
             </a:r>
             <a:r>
-              <a:rPr lang="en-US" dirty="0" smtClean="0"/>
+              <a:rPr lang="en-US" dirty="0"/>
               <a:t>actor</a:t>
             </a:r>
-            <a:endParaRPr lang="en-US" dirty="0"/>
           </a:p>
         </p:txBody>
       </p:sp>
@@ -7447,10 +7305,9 @@
           <a:p>
             <a:pPr algn="ctr"/>
             <a:r>
-              <a:rPr lang="en-US" smtClean="0"/>
+              <a:rPr lang="en-US"/>
               <a:t>Spark Streaming </a:t>
             </a:r>
-            <a:endParaRPr lang="en-US"/>
           </a:p>
         </p:txBody>
       </p:sp>
@@ -7525,11 +7382,11 @@
           <a:p>
             <a:pPr algn="ctr"/>
             <a:r>
-              <a:rPr lang="en-US" dirty="0" smtClean="0"/>
+              <a:rPr lang="en-US" dirty="0"/>
               <a:t>Spark </a:t>
             </a:r>
             <a:r>
-              <a:rPr lang="en-US" dirty="0" err="1" smtClean="0"/>
+              <a:rPr lang="en-US" dirty="0" err="1"/>
               <a:t>MLib</a:t>
             </a:r>
             <a:endParaRPr lang="en-US" dirty="0"/>
@@ -7658,10 +7515,9 @@
           <a:lstStyle/>
           <a:p>
             <a:r>
-              <a:rPr lang="en-US" dirty="0" smtClean="0"/>
+              <a:rPr lang="en-US" dirty="0"/>
               <a:t>1</a:t>
             </a:r>
-            <a:endParaRPr lang="en-US" dirty="0"/>
           </a:p>
         </p:txBody>
       </p:sp>
@@ -7688,10 +7544,9 @@
           <a:lstStyle/>
           <a:p>
             <a:r>
-              <a:rPr lang="en-US" dirty="0" smtClean="0"/>
+              <a:rPr lang="en-US" dirty="0"/>
               <a:t>2</a:t>
             </a:r>
-            <a:endParaRPr lang="en-US" dirty="0"/>
           </a:p>
         </p:txBody>
       </p:sp>
@@ -7718,10 +7573,9 @@
           <a:lstStyle/>
           <a:p>
             <a:r>
-              <a:rPr lang="en-US" dirty="0" smtClean="0"/>
+              <a:rPr lang="en-US" dirty="0"/>
               <a:t>3</a:t>
             </a:r>
-            <a:endParaRPr lang="en-US" dirty="0"/>
           </a:p>
         </p:txBody>
       </p:sp>
@@ -7748,10 +7602,9 @@
           <a:lstStyle/>
           <a:p>
             <a:r>
-              <a:rPr lang="en-US" dirty="0" smtClean="0"/>
+              <a:rPr lang="en-US" dirty="0"/>
               <a:t>4</a:t>
             </a:r>
-            <a:endParaRPr lang="en-US" dirty="0"/>
           </a:p>
         </p:txBody>
       </p:sp>
@@ -7778,10 +7631,9 @@
           <a:lstStyle/>
           <a:p>
             <a:r>
-              <a:rPr lang="en-US" dirty="0" smtClean="0"/>
+              <a:rPr lang="en-US" dirty="0"/>
               <a:t>5</a:t>
             </a:r>
-            <a:endParaRPr lang="en-US" dirty="0"/>
           </a:p>
         </p:txBody>
       </p:sp>
@@ -7808,10 +7660,9 @@
           <a:lstStyle/>
           <a:p>
             <a:r>
-              <a:rPr lang="en-US" dirty="0" smtClean="0"/>
+              <a:rPr lang="en-US" dirty="0"/>
               <a:t>6</a:t>
             </a:r>
-            <a:endParaRPr lang="en-US" dirty="0"/>
           </a:p>
         </p:txBody>
       </p:sp>
@@ -7838,10 +7689,9 @@
           <a:lstStyle/>
           <a:p>
             <a:r>
-              <a:rPr lang="en-US" dirty="0" smtClean="0"/>
+              <a:rPr lang="en-US" dirty="0"/>
               <a:t>6</a:t>
             </a:r>
-            <a:endParaRPr lang="en-US" dirty="0"/>
           </a:p>
         </p:txBody>
       </p:sp>
@@ -7871,7 +7721,6 @@
               <a:rPr lang="en-US" dirty="0"/>
               <a:t>8</a:t>
             </a:r>
-            <a:endParaRPr lang="en-US" dirty="0"/>
           </a:p>
         </p:txBody>
       </p:sp>
@@ -7901,7 +7750,6 @@
               <a:rPr lang="en-US" dirty="0"/>
               <a:t>8</a:t>
             </a:r>
-            <a:endParaRPr lang="en-US" dirty="0"/>
           </a:p>
         </p:txBody>
       </p:sp>
@@ -7931,7 +7779,6 @@
               <a:rPr lang="en-US" dirty="0"/>
               <a:t>9</a:t>
             </a:r>
-            <a:endParaRPr lang="en-US" dirty="0"/>
           </a:p>
         </p:txBody>
       </p:sp>
@@ -7991,10 +7838,9 @@
           <a:lstStyle/>
           <a:p>
             <a:r>
-              <a:rPr lang="en-US" dirty="0" smtClean="0"/>
+              <a:rPr lang="en-US" dirty="0"/>
               <a:t>7</a:t>
             </a:r>
-            <a:endParaRPr lang="en-US" dirty="0"/>
           </a:p>
         </p:txBody>
       </p:sp>
@@ -8021,10 +7867,9 @@
           <a:lstStyle/>
           <a:p>
             <a:r>
-              <a:rPr lang="en-US" dirty="0" smtClean="0"/>
+              <a:rPr lang="en-US" dirty="0"/>
               <a:t>10</a:t>
             </a:r>
-            <a:endParaRPr lang="en-US" dirty="0"/>
           </a:p>
         </p:txBody>
       </p:sp>
@@ -8051,10 +7896,9 @@
           <a:lstStyle/>
           <a:p>
             <a:r>
-              <a:rPr lang="en-US" smtClean="0"/>
+              <a:rPr lang="en-US"/>
               <a:t>11</a:t>
             </a:r>
-            <a:endParaRPr lang="en-US"/>
           </a:p>
         </p:txBody>
       </p:sp>
@@ -8081,10 +7925,9 @@
           <a:lstStyle/>
           <a:p>
             <a:r>
-              <a:rPr lang="en-US" dirty="0" smtClean="0"/>
+              <a:rPr lang="en-US" dirty="0"/>
               <a:t>12</a:t>
             </a:r>
-            <a:endParaRPr lang="en-US" dirty="0"/>
           </a:p>
         </p:txBody>
       </p:sp>
@@ -8111,10 +7954,9 @@
           <a:lstStyle/>
           <a:p>
             <a:r>
-              <a:rPr lang="en-US" dirty="0" smtClean="0"/>
+              <a:rPr lang="en-US" dirty="0"/>
               <a:t>13</a:t>
             </a:r>
-            <a:endParaRPr lang="en-US" dirty="0"/>
           </a:p>
         </p:txBody>
       </p:sp>
@@ -8141,10 +7983,9 @@
           <a:lstStyle/>
           <a:p>
             <a:r>
-              <a:rPr lang="en-US" dirty="0" smtClean="0"/>
+              <a:rPr lang="en-US" dirty="0"/>
               <a:t>14</a:t>
             </a:r>
-            <a:endParaRPr lang="en-US" dirty="0"/>
           </a:p>
         </p:txBody>
       </p:sp>
@@ -8171,10 +8012,9 @@
           <a:lstStyle/>
           <a:p>
             <a:r>
-              <a:rPr lang="en-US" dirty="0" smtClean="0"/>
+              <a:rPr lang="en-US" dirty="0"/>
               <a:t>15</a:t>
             </a:r>
-            <a:endParaRPr lang="en-US" dirty="0"/>
           </a:p>
         </p:txBody>
       </p:sp>
@@ -8201,10 +8041,9 @@
           <a:lstStyle/>
           <a:p>
             <a:r>
-              <a:rPr lang="en-US" smtClean="0"/>
+              <a:rPr lang="en-US"/>
               <a:t>16</a:t>
             </a:r>
-            <a:endParaRPr lang="en-US"/>
           </a:p>
         </p:txBody>
       </p:sp>
@@ -8218,13 +8057,6 @@
   <p:clrMapOvr>
     <a:masterClrMapping/>
   </p:clrMapOvr>
-  <p:timing>
-    <p:tnLst>
-      <p:par>
-        <p:cTn id="1" dur="indefinite" restart="never" nodeType="tmRoot"/>
-      </p:par>
-    </p:tnLst>
-  </p:timing>
 </p:sld>
 </file>
 
@@ -8261,18 +8093,17 @@
           <a:lstStyle/>
           <a:p>
             <a:r>
-              <a:rPr lang="en-US" dirty="0" smtClean="0"/>
+              <a:rPr lang="en-US" dirty="0"/>
               <a:t>Insight into </a:t>
             </a:r>
             <a:r>
-              <a:rPr lang="en-US" dirty="0" err="1" smtClean="0"/>
+              <a:rPr lang="en-US" dirty="0" err="1"/>
               <a:t>airbnb</a:t>
             </a:r>
             <a:r>
-              <a:rPr lang="en-US" dirty="0" smtClean="0"/>
+              <a:rPr lang="en-US" dirty="0"/>
               <a:t> dataset</a:t>
             </a:r>
-            <a:endParaRPr lang="en-US" dirty="0"/>
           </a:p>
         </p:txBody>
       </p:sp>
@@ -8292,43 +8123,43 @@
           <a:lstStyle/>
           <a:p>
             <a:r>
-              <a:rPr lang="en-US" dirty="0" smtClean="0"/>
+              <a:rPr lang="en-US" dirty="0"/>
               <a:t>Performed a few analysis like:</a:t>
             </a:r>
           </a:p>
           <a:p>
             <a:pPr lvl="1"/>
             <a:r>
-              <a:rPr lang="en-US" dirty="0" smtClean="0"/>
+              <a:rPr lang="en-US" dirty="0"/>
               <a:t>Average price per number of rooms</a:t>
             </a:r>
           </a:p>
           <a:p>
             <a:pPr lvl="1"/>
             <a:r>
-              <a:rPr lang="en-US" dirty="0" smtClean="0"/>
+              <a:rPr lang="en-US" dirty="0"/>
               <a:t>City trends </a:t>
             </a:r>
             <a:r>
-              <a:rPr lang="mr-IN" dirty="0" smtClean="0"/>
+              <a:rPr lang="mr-IN" dirty="0"/>
               <a:t>–</a:t>
             </a:r>
             <a:r>
-              <a:rPr lang="en-US" dirty="0" smtClean="0"/>
+              <a:rPr lang="en-US" dirty="0"/>
               <a:t> When does the city get really busy?</a:t>
             </a:r>
           </a:p>
           <a:p>
             <a:pPr lvl="1"/>
             <a:r>
-              <a:rPr lang="en-US" dirty="0" smtClean="0"/>
+              <a:rPr lang="en-US" dirty="0"/>
               <a:t>Most active customers</a:t>
             </a:r>
           </a:p>
           <a:p>
             <a:pPr lvl="1"/>
             <a:r>
-              <a:rPr lang="en-US" dirty="0" smtClean="0"/>
+              <a:rPr lang="en-US" dirty="0"/>
               <a:t>Average price per room type</a:t>
             </a:r>
           </a:p>
@@ -8339,11 +8170,11 @@
           <a:p>
             <a:pPr lvl="1"/>
             <a:r>
-              <a:rPr lang="en-US" dirty="0" smtClean="0"/>
+              <a:rPr lang="en-US" dirty="0"/>
               <a:t>Stored all these results on </a:t>
             </a:r>
             <a:r>
-              <a:rPr lang="en-US" dirty="0" err="1" smtClean="0"/>
+              <a:rPr lang="en-US" dirty="0" err="1"/>
               <a:t>HBase</a:t>
             </a:r>
             <a:r>
@@ -8363,13 +8194,6 @@
   <p:clrMapOvr>
     <a:masterClrMapping/>
   </p:clrMapOvr>
-  <p:timing>
-    <p:tnLst>
-      <p:par>
-        <p:cTn id="1" dur="indefinite" restart="never" nodeType="tmRoot"/>
-      </p:par>
-    </p:tnLst>
-  </p:timing>
 </p:sld>
 </file>
 
@@ -8484,7 +8308,6 @@
               <a:rPr lang="en-US" dirty="0"/>
               <a:t>Obtained 4 important column based on the ALS Algorithm</a:t>
             </a:r>
-            <a:endParaRPr lang="en-US" dirty="0"/>
           </a:p>
         </p:txBody>
       </p:sp>
@@ -8498,13 +8321,6 @@
   <p:clrMapOvr>
     <a:masterClrMapping/>
   </p:clrMapOvr>
-  <p:timing>
-    <p:tnLst>
-      <p:par>
-        <p:cTn id="1" dur="indefinite" restart="never" nodeType="tmRoot"/>
-      </p:par>
-    </p:tnLst>
-  </p:timing>
 </p:sld>
 </file>
 

--- a/Team5-final-presentation.pptx
+++ b/Team5-final-presentation.pptx
@@ -5,7 +5,7 @@
     <p:sldMasterId id="2147483696" r:id="rId1"/>
   </p:sldMasterIdLst>
   <p:notesMasterIdLst>
-    <p:notesMasterId r:id="rId16"/>
+    <p:notesMasterId r:id="rId17"/>
   </p:notesMasterIdLst>
   <p:sldIdLst>
     <p:sldId id="256" r:id="rId2"/>
@@ -20,8 +20,9 @@
     <p:sldId id="271" r:id="rId11"/>
     <p:sldId id="274" r:id="rId12"/>
     <p:sldId id="262" r:id="rId13"/>
-    <p:sldId id="264" r:id="rId14"/>
-    <p:sldId id="265" r:id="rId15"/>
+    <p:sldId id="275" r:id="rId14"/>
+    <p:sldId id="264" r:id="rId15"/>
+    <p:sldId id="265" r:id="rId16"/>
   </p:sldIdLst>
   <p:sldSz cx="12192000" cy="6858000"/>
   <p:notesSz cx="6858000" cy="9144000"/>
@@ -210,7 +211,7 @@
           <a:p>
             <a:fld id="{5649A7D6-D0F4-F443-B898-2E87F539D91D}" type="datetimeFigureOut">
               <a:rPr lang="en-US" smtClean="0"/>
-              <a:t>04/29/2017</a:t>
+              <a:t>4/29/17</a:t>
             </a:fld>
             <a:endParaRPr lang="en-US"/>
           </a:p>
@@ -724,7 +725,7 @@
           <a:p>
             <a:fld id="{1160EA64-D806-43AC-9DF2-F8C432F32B4C}" type="datetimeFigureOut">
               <a:rPr lang="en-US" dirty="0"/>
-              <a:t>04/29/2017</a:t>
+              <a:t>4/29/17</a:t>
             </a:fld>
             <a:endParaRPr lang="en-US" dirty="0"/>
           </a:p>
@@ -890,7 +891,7 @@
           <a:p>
             <a:fld id="{E9F9C37B-1D36-470B-8223-D6C91242EC14}" type="datetimeFigureOut">
               <a:rPr lang="en-US" dirty="0"/>
-              <a:t>04/29/2017</a:t>
+              <a:t>4/29/17</a:t>
             </a:fld>
             <a:endParaRPr lang="en-US" dirty="0"/>
           </a:p>
@@ -1065,7 +1066,7 @@
           <a:p>
             <a:fld id="{67C6F52A-A82B-47A2-A83A-8C4C91F2D59F}" type="datetimeFigureOut">
               <a:rPr lang="en-US" dirty="0"/>
-              <a:t>04/29/2017</a:t>
+              <a:t>4/29/17</a:t>
             </a:fld>
             <a:endParaRPr lang="en-US" dirty="0"/>
           </a:p>
@@ -1230,7 +1231,7 @@
           <a:p>
             <a:fld id="{F070A7B3-6521-4DCA-87E5-044747A908C1}" type="datetimeFigureOut">
               <a:rPr lang="en-US" dirty="0"/>
-              <a:t>04/29/2017</a:t>
+              <a:t>4/29/17</a:t>
             </a:fld>
             <a:endParaRPr lang="en-US" dirty="0"/>
           </a:p>
@@ -1494,7 +1495,7 @@
           <a:p>
             <a:fld id="{1160EA64-D806-43AC-9DF2-F8C432F32B4C}" type="datetimeFigureOut">
               <a:rPr lang="en-US" dirty="0"/>
-              <a:t>04/29/2017</a:t>
+              <a:t>4/29/17</a:t>
             </a:fld>
             <a:endParaRPr lang="en-US" dirty="0"/>
           </a:p>
@@ -1722,7 +1723,7 @@
           <a:p>
             <a:fld id="{AB134690-1557-4C89-A502-4959FE7FAD70}" type="datetimeFigureOut">
               <a:rPr lang="en-US" dirty="0"/>
-              <a:t>04/29/2017</a:t>
+              <a:t>4/29/17</a:t>
             </a:fld>
             <a:endParaRPr lang="en-US" dirty="0"/>
           </a:p>
@@ -2076,7 +2077,7 @@
           <a:p>
             <a:fld id="{4F7D4976-E339-4826-83B7-FBD03F55ECF8}" type="datetimeFigureOut">
               <a:rPr lang="en-US" dirty="0"/>
-              <a:t>04/29/2017</a:t>
+              <a:t>4/29/17</a:t>
             </a:fld>
             <a:endParaRPr lang="en-US" dirty="0"/>
           </a:p>
@@ -2212,7 +2213,7 @@
           <a:p>
             <a:fld id="{E1037C31-9E7A-4F99-8774-A0E530DE1A42}" type="datetimeFigureOut">
               <a:rPr lang="en-US" dirty="0"/>
-              <a:t>04/29/2017</a:t>
+              <a:t>4/29/17</a:t>
             </a:fld>
             <a:endParaRPr lang="en-US" dirty="0"/>
           </a:p>
@@ -2302,7 +2303,7 @@
           <a:p>
             <a:fld id="{C278504F-A551-4DE0-9316-4DCD1D8CC752}" type="datetimeFigureOut">
               <a:rPr lang="en-US" dirty="0"/>
-              <a:t>04/29/2017</a:t>
+              <a:t>4/29/17</a:t>
             </a:fld>
             <a:endParaRPr lang="en-US" dirty="0"/>
           </a:p>
@@ -2654,7 +2655,7 @@
           <a:p>
             <a:fld id="{D1BE4249-C0D0-4B06-8692-E8BB871AF643}" type="datetimeFigureOut">
               <a:rPr lang="en-US" dirty="0"/>
-              <a:t>04/29/2017</a:t>
+              <a:t>4/29/17</a:t>
             </a:fld>
             <a:endParaRPr lang="en-US" dirty="0"/>
           </a:p>
@@ -3006,7 +3007,7 @@
           <a:p>
             <a:fld id="{042B0DB6-F5C7-45FB-8CF3-31B45F9C2DAC}" type="datetimeFigureOut">
               <a:rPr lang="en-US" dirty="0"/>
-              <a:t>04/29/2017</a:t>
+              <a:t>4/29/17</a:t>
             </a:fld>
             <a:endParaRPr lang="en-US" dirty="0"/>
           </a:p>
@@ -3242,7 +3243,7 @@
           <a:p>
             <a:fld id="{1160EA64-D806-43AC-9DF2-F8C432F32B4C}" type="datetimeFigureOut">
               <a:rPr lang="en-US" dirty="0"/>
-              <a:t>04/29/2017</a:t>
+              <a:t>4/29/17</a:t>
             </a:fld>
             <a:endParaRPr lang="en-US" dirty="0"/>
           </a:p>
@@ -3786,6 +3787,13 @@
   <p:clrMapOvr>
     <a:masterClrMapping/>
   </p:clrMapOvr>
+  <p:timing>
+    <p:tnLst>
+      <p:par>
+        <p:cTn id="1" dur="indefinite" restart="never" nodeType="tmRoot"/>
+      </p:par>
+    </p:tnLst>
+  </p:timing>
 </p:sld>
 </file>
 
@@ -3913,6 +3921,13 @@
   <p:clrMapOvr>
     <a:masterClrMapping/>
   </p:clrMapOvr>
+  <p:timing>
+    <p:tnLst>
+      <p:par>
+        <p:cTn id="1" dur="indefinite" restart="never" nodeType="tmRoot"/>
+      </p:par>
+    </p:tnLst>
+  </p:timing>
 </p:sld>
 </file>
 
@@ -4024,6 +4039,13 @@
   <p:clrMapOvr>
     <a:masterClrMapping/>
   </p:clrMapOvr>
+  <p:timing>
+    <p:tnLst>
+      <p:par>
+        <p:cTn id="1" dur="indefinite" restart="never" nodeType="tmRoot"/>
+      </p:par>
+    </p:tnLst>
+  </p:timing>
 </p:sld>
 </file>
 
@@ -4116,14 +4138,14 @@
                 <a:gridCol w="4064000">
                   <a:extLst>
                     <a:ext uri="{9D8B030D-6E8A-4147-A177-3AD203B41FA5}">
-                      <a16:colId xmlns:a16="http://schemas.microsoft.com/office/drawing/2014/main" val="20000"/>
+                      <a16:colId xmlns:a16="http://schemas.microsoft.com/office/drawing/2014/main" xmlns="" val="20000"/>
                     </a:ext>
                   </a:extLst>
                 </a:gridCol>
                 <a:gridCol w="4064000">
                   <a:extLst>
                     <a:ext uri="{9D8B030D-6E8A-4147-A177-3AD203B41FA5}">
-                      <a16:colId xmlns:a16="http://schemas.microsoft.com/office/drawing/2014/main" val="20001"/>
+                      <a16:colId xmlns:a16="http://schemas.microsoft.com/office/drawing/2014/main" xmlns="" val="20001"/>
                     </a:ext>
                   </a:extLst>
                 </a:gridCol>
@@ -4157,7 +4179,7 @@
                 </a:tc>
                 <a:extLst>
                   <a:ext uri="{0D108BD9-81ED-4DB2-BD59-A6C34878D82A}">
-                    <a16:rowId xmlns:a16="http://schemas.microsoft.com/office/drawing/2014/main" val="10000"/>
+                    <a16:rowId xmlns:a16="http://schemas.microsoft.com/office/drawing/2014/main" xmlns="" val="10000"/>
                   </a:ext>
                 </a:extLst>
               </a:tr>
@@ -4195,7 +4217,7 @@
                 </a:tc>
                 <a:extLst>
                   <a:ext uri="{0D108BD9-81ED-4DB2-BD59-A6C34878D82A}">
-                    <a16:rowId xmlns:a16="http://schemas.microsoft.com/office/drawing/2014/main" val="10001"/>
+                    <a16:rowId xmlns:a16="http://schemas.microsoft.com/office/drawing/2014/main" xmlns="" val="10001"/>
                   </a:ext>
                 </a:extLst>
               </a:tr>
@@ -4233,7 +4255,7 @@
                 </a:tc>
                 <a:extLst>
                   <a:ext uri="{0D108BD9-81ED-4DB2-BD59-A6C34878D82A}">
-                    <a16:rowId xmlns:a16="http://schemas.microsoft.com/office/drawing/2014/main" val="10002"/>
+                    <a16:rowId xmlns:a16="http://schemas.microsoft.com/office/drawing/2014/main" xmlns="" val="10002"/>
                   </a:ext>
                 </a:extLst>
               </a:tr>
@@ -4271,7 +4293,7 @@
                 </a:tc>
                 <a:extLst>
                   <a:ext uri="{0D108BD9-81ED-4DB2-BD59-A6C34878D82A}">
-                    <a16:rowId xmlns:a16="http://schemas.microsoft.com/office/drawing/2014/main" val="10003"/>
+                    <a16:rowId xmlns:a16="http://schemas.microsoft.com/office/drawing/2014/main" xmlns="" val="10003"/>
                   </a:ext>
                 </a:extLst>
               </a:tr>
@@ -4312,7 +4334,7 @@
                 </a:tc>
                 <a:extLst>
                   <a:ext uri="{0D108BD9-81ED-4DB2-BD59-A6C34878D82A}">
-                    <a16:rowId xmlns:a16="http://schemas.microsoft.com/office/drawing/2014/main" val="10004"/>
+                    <a16:rowId xmlns:a16="http://schemas.microsoft.com/office/drawing/2014/main" xmlns="" val="10004"/>
                   </a:ext>
                 </a:extLst>
               </a:tr>
@@ -4330,6 +4352,13 @@
   <p:clrMapOvr>
     <a:masterClrMapping/>
   </p:clrMapOvr>
+  <p:timing>
+    <p:tnLst>
+      <p:par>
+        <p:cTn id="1" dur="indefinite" restart="never" nodeType="tmRoot"/>
+      </p:par>
+    </p:tnLst>
+  </p:timing>
 </p:sld>
 </file>
 
@@ -4366,59 +4395,67 @@
           <a:lstStyle/>
           <a:p>
             <a:r>
-              <a:rPr lang="en-US" dirty="0"/>
-              <a:t>Acceptance Criteria</a:t>
-            </a:r>
-          </a:p>
-        </p:txBody>
-      </p:sp>
-      <p:sp>
-        <p:nvSpPr>
-          <p:cNvPr id="3" name="Content Placeholder 2"/>
-          <p:cNvSpPr>
-            <a:spLocks noGrp="1"/>
-          </p:cNvSpPr>
+              <a:rPr lang="en-US" dirty="0" smtClean="0"/>
+              <a:t>Application could serve </a:t>
+            </a:r>
+            <a:r>
+              <a:rPr lang="en-US" dirty="0" err="1" smtClean="0"/>
+              <a:t>upto</a:t>
+            </a:r>
+            <a:r>
+              <a:rPr lang="en-US" dirty="0" smtClean="0"/>
+              <a:t> 100 requests per second</a:t>
+            </a:r>
+            <a:endParaRPr lang="en-US" dirty="0"/>
+          </a:p>
+        </p:txBody>
+      </p:sp>
+      <p:pic>
+        <p:nvPicPr>
+          <p:cNvPr id="4" name="Content Placeholder 3"/>
+          <p:cNvPicPr>
+            <a:picLocks noGrp="1" noChangeAspect="1"/>
+          </p:cNvPicPr>
           <p:nvPr>
             <p:ph idx="1"/>
           </p:nvPr>
-        </p:nvSpPr>
-        <p:spPr/>
-        <p:txBody>
-          <a:bodyPr/>
-          <a:lstStyle/>
-          <a:p>
-            <a:r>
-              <a:rPr lang="en-US" dirty="0"/>
-              <a:t>Application should be truly reactive.</a:t>
-            </a:r>
-          </a:p>
-          <a:p>
-            <a:r>
-              <a:rPr lang="en-US" dirty="0"/>
-              <a:t>Provide user with a informative dashboard showing the analytical insights based on the Airbnb listings data.</a:t>
-            </a:r>
-          </a:p>
-          <a:p>
-            <a:r>
-              <a:rPr lang="en-US" dirty="0"/>
-              <a:t>Recommend listings based on the user preference with MSE value less than 5. Our model is successfully recommending listings to the user with an MSE value of 1.2, which fulfills the criteria easily and serves the purpose of a Recommendation System.</a:t>
-            </a:r>
-          </a:p>
-          <a:p>
-            <a:endParaRPr lang="en-US" dirty="0"/>
-          </a:p>
-        </p:txBody>
-      </p:sp>
+        </p:nvPicPr>
+        <p:blipFill>
+          <a:blip r:embed="rId2">
+            <a:extLst>
+              <a:ext uri="{28A0092B-C50C-407E-A947-70E740481C1C}">
+                <a14:useLocalDpi xmlns:a14="http://schemas.microsoft.com/office/drawing/2010/main" val="0"/>
+              </a:ext>
+            </a:extLst>
+          </a:blip>
+          <a:stretch>
+            <a:fillRect/>
+          </a:stretch>
+        </p:blipFill>
+        <p:spPr>
+          <a:xfrm>
+            <a:off x="3550952" y="2638425"/>
+            <a:ext cx="5090097" cy="3101975"/>
+          </a:xfrm>
+        </p:spPr>
+      </p:pic>
     </p:spTree>
     <p:extLst>
       <p:ext uri="{BB962C8B-B14F-4D97-AF65-F5344CB8AC3E}">
-        <p14:creationId xmlns:p14="http://schemas.microsoft.com/office/powerpoint/2010/main" val="1031706311"/>
+        <p14:creationId xmlns:p14="http://schemas.microsoft.com/office/powerpoint/2010/main" val="952365244"/>
       </p:ext>
     </p:extLst>
   </p:cSld>
   <p:clrMapOvr>
     <a:masterClrMapping/>
   </p:clrMapOvr>
+  <p:timing>
+    <p:tnLst>
+      <p:par>
+        <p:cTn id="1" dur="indefinite" restart="never" nodeType="tmRoot"/>
+      </p:par>
+    </p:tnLst>
+  </p:timing>
 </p:sld>
 </file>
 
@@ -4456,6 +4493,107 @@
           <a:p>
             <a:r>
               <a:rPr lang="en-US" dirty="0"/>
+              <a:t>Acceptance Criteria</a:t>
+            </a:r>
+          </a:p>
+        </p:txBody>
+      </p:sp>
+      <p:sp>
+        <p:nvSpPr>
+          <p:cNvPr id="3" name="Content Placeholder 2"/>
+          <p:cNvSpPr>
+            <a:spLocks noGrp="1"/>
+          </p:cNvSpPr>
+          <p:nvPr>
+            <p:ph idx="1"/>
+          </p:nvPr>
+        </p:nvSpPr>
+        <p:spPr/>
+        <p:txBody>
+          <a:bodyPr/>
+          <a:lstStyle/>
+          <a:p>
+            <a:r>
+              <a:rPr lang="en-US" dirty="0"/>
+              <a:t>Application </a:t>
+            </a:r>
+            <a:r>
+              <a:rPr lang="en-US" dirty="0" smtClean="0"/>
+              <a:t>was able to serve up to 100 requests per second.</a:t>
+            </a:r>
+            <a:endParaRPr lang="en-US" dirty="0"/>
+          </a:p>
+          <a:p>
+            <a:r>
+              <a:rPr lang="en-US" dirty="0"/>
+              <a:t>Provide user with a informative dashboard showing the analytical insights based on the Airbnb listings data.</a:t>
+            </a:r>
+          </a:p>
+          <a:p>
+            <a:r>
+              <a:rPr lang="en-US" dirty="0"/>
+              <a:t>Recommend listings based on the user preference with MSE value less than 5. Our model is successfully recommending listings to the user with an MSE value of 1.2, which fulfills the criteria easily and serves the purpose of a Recommendation System.</a:t>
+            </a:r>
+          </a:p>
+          <a:p>
+            <a:endParaRPr lang="en-US" dirty="0"/>
+          </a:p>
+        </p:txBody>
+      </p:sp>
+    </p:spTree>
+    <p:extLst>
+      <p:ext uri="{BB962C8B-B14F-4D97-AF65-F5344CB8AC3E}">
+        <p14:creationId xmlns:p14="http://schemas.microsoft.com/office/powerpoint/2010/main" val="1031706311"/>
+      </p:ext>
+    </p:extLst>
+  </p:cSld>
+  <p:clrMapOvr>
+    <a:masterClrMapping/>
+  </p:clrMapOvr>
+  <p:timing>
+    <p:tnLst>
+      <p:par>
+        <p:cTn id="1" dur="indefinite" restart="never" nodeType="tmRoot"/>
+      </p:par>
+    </p:tnLst>
+  </p:timing>
+</p:sld>
+</file>
+
+<file path=ppt/slides/slide15.xml><?xml version="1.0" encoding="utf-8"?>
+<p:sld xmlns:a="http://schemas.openxmlformats.org/drawingml/2006/main" xmlns:r="http://schemas.openxmlformats.org/officeDocument/2006/relationships" xmlns:p="http://schemas.openxmlformats.org/presentationml/2006/main">
+  <p:cSld>
+    <p:spTree>
+      <p:nvGrpSpPr>
+        <p:cNvPr id="1" name=""/>
+        <p:cNvGrpSpPr/>
+        <p:nvPr/>
+      </p:nvGrpSpPr>
+      <p:grpSpPr>
+        <a:xfrm>
+          <a:off x="0" y="0"/>
+          <a:ext cx="0" cy="0"/>
+          <a:chOff x="0" y="0"/>
+          <a:chExt cx="0" cy="0"/>
+        </a:xfrm>
+      </p:grpSpPr>
+      <p:sp>
+        <p:nvSpPr>
+          <p:cNvPr id="2" name="Title 1"/>
+          <p:cNvSpPr>
+            <a:spLocks noGrp="1"/>
+          </p:cNvSpPr>
+          <p:nvPr>
+            <p:ph type="title"/>
+          </p:nvPr>
+        </p:nvSpPr>
+        <p:spPr/>
+        <p:txBody>
+          <a:bodyPr/>
+          <a:lstStyle/>
+          <a:p>
+            <a:r>
+              <a:rPr lang="en-US" dirty="0"/>
               <a:t>Thank you</a:t>
             </a:r>
           </a:p>
@@ -4532,6 +4670,13 @@
   <p:clrMapOvr>
     <a:masterClrMapping/>
   </p:clrMapOvr>
+  <p:timing>
+    <p:tnLst>
+      <p:par>
+        <p:cTn id="1" dur="indefinite" restart="never" nodeType="tmRoot"/>
+      </p:par>
+    </p:tnLst>
+  </p:timing>
 </p:sld>
 </file>
 
@@ -4626,6 +4771,13 @@
   <p:clrMapOvr>
     <a:masterClrMapping/>
   </p:clrMapOvr>
+  <p:timing>
+    <p:tnLst>
+      <p:par>
+        <p:cTn id="1" dur="indefinite" restart="never" nodeType="tmRoot"/>
+      </p:par>
+    </p:tnLst>
+  </p:timing>
 </p:sld>
 </file>
 
@@ -4810,6 +4962,13 @@
   <p:clrMapOvr>
     <a:masterClrMapping/>
   </p:clrMapOvr>
+  <p:timing>
+    <p:tnLst>
+      <p:par>
+        <p:cTn id="1" dur="indefinite" restart="never" nodeType="tmRoot"/>
+      </p:par>
+    </p:tnLst>
+  </p:timing>
 </p:sld>
 </file>
 
@@ -4908,6 +5067,13 @@
   <p:clrMapOvr>
     <a:masterClrMapping/>
   </p:clrMapOvr>
+  <p:timing>
+    <p:tnLst>
+      <p:par>
+        <p:cTn id="1" dur="indefinite" restart="never" nodeType="tmRoot"/>
+      </p:par>
+    </p:tnLst>
+  </p:timing>
 </p:sld>
 </file>
 
@@ -5481,6 +5647,13 @@
   <p:clrMapOvr>
     <a:masterClrMapping/>
   </p:clrMapOvr>
+  <p:timing>
+    <p:tnLst>
+      <p:par>
+        <p:cTn id="1" dur="indefinite" restart="never" nodeType="tmRoot"/>
+      </p:par>
+    </p:tnLst>
+  </p:timing>
 </p:sld>
 </file>
 
@@ -6244,6 +6417,13 @@
   <p:clrMapOvr>
     <a:masterClrMapping/>
   </p:clrMapOvr>
+  <p:timing>
+    <p:tnLst>
+      <p:par>
+        <p:cTn id="1" dur="indefinite" restart="never" nodeType="tmRoot"/>
+      </p:par>
+    </p:tnLst>
+  </p:timing>
 </p:sld>
 </file>
 
@@ -8057,6 +8237,13 @@
   <p:clrMapOvr>
     <a:masterClrMapping/>
   </p:clrMapOvr>
+  <p:timing>
+    <p:tnLst>
+      <p:par>
+        <p:cTn id="1" dur="indefinite" restart="never" nodeType="tmRoot"/>
+      </p:par>
+    </p:tnLst>
+  </p:timing>
 </p:sld>
 </file>
 
@@ -8194,6 +8381,13 @@
   <p:clrMapOvr>
     <a:masterClrMapping/>
   </p:clrMapOvr>
+  <p:timing>
+    <p:tnLst>
+      <p:par>
+        <p:cTn id="1" dur="indefinite" restart="never" nodeType="tmRoot"/>
+      </p:par>
+    </p:tnLst>
+  </p:timing>
 </p:sld>
 </file>
 
@@ -8321,6 +8515,13 @@
   <p:clrMapOvr>
     <a:masterClrMapping/>
   </p:clrMapOvr>
+  <p:timing>
+    <p:tnLst>
+      <p:par>
+        <p:cTn id="1" dur="indefinite" restart="never" nodeType="tmRoot"/>
+      </p:par>
+    </p:tnLst>
+  </p:timing>
 </p:sld>
 </file>
 
